--- a/worksheet.pptx
+++ b/worksheet.pptx
@@ -6,6 +6,7 @@
   </p:sldMasterIdLst>
   <p:sldIdLst>
     <p:sldId id="259" r:id="rId2"/>
+    <p:sldId id="260" r:id="rId3"/>
   </p:sldIdLst>
   <p:sldSz cx="10058400" cy="7772400"/>
   <p:notesSz cx="6858000" cy="9144000"/>
@@ -104,6 +105,11 @@
       </a:defRPr>
     </a:lvl9pPr>
   </p:defaultTextStyle>
+  <p:extLst>
+    <p:ext uri="{EFAFB233-063F-42B5-8137-9DF3F51BA10A}">
+      <p15:sldGuideLst xmlns:p15="http://schemas.microsoft.com/office/powerpoint/2012/main"/>
+    </p:ext>
+  </p:extLst>
 </p:presentation>
 </file>
 
@@ -3026,9 +3032,12 @@
           <a:p>
             <a:r>
               <a:rPr lang="en-US" sz="1200" dirty="0" err="1"/>
-              <a:t>BlackHoleMass_SpiralGalaxy</a:t>
-            </a:r>
-            <a:endParaRPr lang="en-US" sz="1200" dirty="0"/>
+              <a:t>Amands’s</a:t>
+            </a:r>
+            <a:r>
+              <a:rPr lang="en-US" sz="1200" dirty="0"/>
+              <a:t> Research Project</a:t>
+            </a:r>
           </a:p>
         </p:txBody>
       </p:sp>
@@ -3092,36 +3101,6 @@
           </a:prstGeom>
         </p:spPr>
       </p:pic>
-      <p:pic>
-        <p:nvPicPr>
-          <p:cNvPr id="9" name="Picture 8">
-            <a:extLst>
-              <a:ext uri="{FF2B5EF4-FFF2-40B4-BE49-F238E27FC236}">
-                <a16:creationId xmlns:a16="http://schemas.microsoft.com/office/drawing/2014/main" id="{EBB42015-DCD8-844C-9DBE-7BE9623E970E}"/>
-              </a:ext>
-            </a:extLst>
-          </p:cNvPr>
-          <p:cNvPicPr>
-            <a:picLocks noChangeAspect="1"/>
-          </p:cNvPicPr>
-          <p:nvPr/>
-        </p:nvPicPr>
-        <p:blipFill>
-          <a:blip r:embed="rId2"/>
-          <a:stretch>
-            <a:fillRect/>
-          </a:stretch>
-        </p:blipFill>
-        <p:spPr>
-          <a:xfrm>
-            <a:off x="2539731" y="6244587"/>
-            <a:ext cx="914400" cy="609600"/>
-          </a:xfrm>
-          <a:prstGeom prst="rect">
-            <a:avLst/>
-          </a:prstGeom>
-        </p:spPr>
-      </p:pic>
       <p:sp>
         <p:nvSpPr>
           <p:cNvPr id="11" name="TextBox 10">
@@ -3189,77 +3168,6 @@
               <a:rPr lang="en-US" sz="1200" dirty="0"/>
               <a:t>analysis</a:t>
             </a:r>
-          </a:p>
-        </p:txBody>
-      </p:sp>
-      <p:sp>
-        <p:nvSpPr>
-          <p:cNvPr id="13" name="TextBox 12">
-            <a:extLst>
-              <a:ext uri="{FF2B5EF4-FFF2-40B4-BE49-F238E27FC236}">
-                <a16:creationId xmlns:a16="http://schemas.microsoft.com/office/drawing/2014/main" id="{D1ED32C4-72E0-604B-BA14-6687C2546EB0}"/>
-              </a:ext>
-            </a:extLst>
-          </p:cNvPr>
-          <p:cNvSpPr txBox="1"/>
-          <p:nvPr/>
-        </p:nvSpPr>
-        <p:spPr>
-          <a:xfrm>
-            <a:off x="2625139" y="6565866"/>
-            <a:ext cx="828992" cy="276999"/>
-          </a:xfrm>
-          <a:prstGeom prst="rect">
-            <a:avLst/>
-          </a:prstGeom>
-          <a:noFill/>
-        </p:spPr>
-        <p:txBody>
-          <a:bodyPr wrap="square" rtlCol="0">
-            <a:spAutoFit/>
-          </a:bodyPr>
-          <a:lstStyle/>
-          <a:p>
-            <a:r>
-              <a:rPr lang="en-US" sz="1200" dirty="0"/>
-              <a:t>literature</a:t>
-            </a:r>
-          </a:p>
-        </p:txBody>
-      </p:sp>
-      <p:sp>
-        <p:nvSpPr>
-          <p:cNvPr id="14" name="TextBox 13">
-            <a:extLst>
-              <a:ext uri="{FF2B5EF4-FFF2-40B4-BE49-F238E27FC236}">
-                <a16:creationId xmlns:a16="http://schemas.microsoft.com/office/drawing/2014/main" id="{2C77C750-CAB0-FB4D-B0F2-0E7FA2B7B9BB}"/>
-              </a:ext>
-            </a:extLst>
-          </p:cNvPr>
-          <p:cNvSpPr txBox="1"/>
-          <p:nvPr/>
-        </p:nvSpPr>
-        <p:spPr>
-          <a:xfrm>
-            <a:off x="3810765" y="6868908"/>
-            <a:ext cx="1949823" cy="276999"/>
-          </a:xfrm>
-          <a:prstGeom prst="rect">
-            <a:avLst/>
-          </a:prstGeom>
-          <a:noFill/>
-        </p:spPr>
-        <p:txBody>
-          <a:bodyPr wrap="square" rtlCol="0">
-            <a:spAutoFit/>
-          </a:bodyPr>
-          <a:lstStyle/>
-          <a:p>
-            <a:r>
-              <a:rPr lang="en-US" sz="1200" dirty="0" err="1"/>
-              <a:t>BHmass_pitch.bib</a:t>
-            </a:r>
-            <a:endParaRPr lang="en-US" sz="1200" dirty="0"/>
           </a:p>
         </p:txBody>
       </p:sp>
@@ -3352,6 +3260,1658 @@
       </p:cxnSp>
       <p:cxnSp>
         <p:nvCxnSpPr>
+          <p:cNvPr id="32" name="Straight Arrow Connector 31">
+            <a:extLst>
+              <a:ext uri="{FF2B5EF4-FFF2-40B4-BE49-F238E27FC236}">
+                <a16:creationId xmlns:a16="http://schemas.microsoft.com/office/drawing/2014/main" id="{6C140BB3-6FF9-654E-B6EA-A48891ED7492}"/>
+              </a:ext>
+            </a:extLst>
+          </p:cNvPr>
+          <p:cNvCxnSpPr/>
+          <p:nvPr/>
+        </p:nvCxnSpPr>
+        <p:spPr>
+          <a:xfrm>
+            <a:off x="1550926" y="3853165"/>
+            <a:ext cx="1033182" cy="1"/>
+          </a:xfrm>
+          <a:prstGeom prst="straightConnector1">
+            <a:avLst/>
+          </a:prstGeom>
+          <a:ln w="28575">
+            <a:solidFill>
+              <a:schemeClr val="tx1"/>
+            </a:solidFill>
+            <a:tailEnd type="none"/>
+          </a:ln>
+        </p:spPr>
+        <p:style>
+          <a:lnRef idx="1">
+            <a:schemeClr val="accent1"/>
+          </a:lnRef>
+          <a:fillRef idx="0">
+            <a:schemeClr val="accent1"/>
+          </a:fillRef>
+          <a:effectRef idx="0">
+            <a:schemeClr val="accent1"/>
+          </a:effectRef>
+          <a:fontRef idx="minor">
+            <a:schemeClr val="tx1"/>
+          </a:fontRef>
+        </p:style>
+      </p:cxnSp>
+      <p:cxnSp>
+        <p:nvCxnSpPr>
+          <p:cNvPr id="44" name="Straight Connector 43">
+            <a:extLst>
+              <a:ext uri="{FF2B5EF4-FFF2-40B4-BE49-F238E27FC236}">
+                <a16:creationId xmlns:a16="http://schemas.microsoft.com/office/drawing/2014/main" id="{62E389EC-DBF7-7044-8AB3-E630638386B1}"/>
+              </a:ext>
+            </a:extLst>
+          </p:cNvPr>
+          <p:cNvCxnSpPr>
+            <a:cxnSpLocks/>
+          </p:cNvCxnSpPr>
+          <p:nvPr/>
+        </p:nvCxnSpPr>
+        <p:spPr>
+          <a:xfrm>
+            <a:off x="3115232" y="2317350"/>
+            <a:ext cx="0" cy="896790"/>
+          </a:xfrm>
+          <a:prstGeom prst="line">
+            <a:avLst/>
+          </a:prstGeom>
+          <a:ln w="28575">
+            <a:solidFill>
+              <a:schemeClr val="tx1"/>
+            </a:solidFill>
+          </a:ln>
+        </p:spPr>
+        <p:style>
+          <a:lnRef idx="1">
+            <a:schemeClr val="accent1"/>
+          </a:lnRef>
+          <a:fillRef idx="0">
+            <a:schemeClr val="accent1"/>
+          </a:fillRef>
+          <a:effectRef idx="0">
+            <a:schemeClr val="accent1"/>
+          </a:effectRef>
+          <a:fontRef idx="minor">
+            <a:schemeClr val="tx1"/>
+          </a:fontRef>
+        </p:style>
+      </p:cxnSp>
+      <p:cxnSp>
+        <p:nvCxnSpPr>
+          <p:cNvPr id="46" name="Straight Connector 45">
+            <a:extLst>
+              <a:ext uri="{FF2B5EF4-FFF2-40B4-BE49-F238E27FC236}">
+                <a16:creationId xmlns:a16="http://schemas.microsoft.com/office/drawing/2014/main" id="{F57BAB39-5379-4044-AFA7-8AD3B3725412}"/>
+              </a:ext>
+            </a:extLst>
+          </p:cNvPr>
+          <p:cNvCxnSpPr>
+            <a:cxnSpLocks/>
+          </p:cNvCxnSpPr>
+          <p:nvPr/>
+        </p:nvCxnSpPr>
+        <p:spPr>
+          <a:xfrm>
+            <a:off x="3115232" y="4011944"/>
+            <a:ext cx="0" cy="786577"/>
+          </a:xfrm>
+          <a:prstGeom prst="line">
+            <a:avLst/>
+          </a:prstGeom>
+          <a:ln w="28575">
+            <a:solidFill>
+              <a:schemeClr val="tx1"/>
+            </a:solidFill>
+          </a:ln>
+        </p:spPr>
+        <p:style>
+          <a:lnRef idx="1">
+            <a:schemeClr val="accent1"/>
+          </a:lnRef>
+          <a:fillRef idx="0">
+            <a:schemeClr val="accent1"/>
+          </a:fillRef>
+          <a:effectRef idx="0">
+            <a:schemeClr val="accent1"/>
+          </a:effectRef>
+          <a:fontRef idx="minor">
+            <a:schemeClr val="tx1"/>
+          </a:fontRef>
+        </p:style>
+      </p:cxnSp>
+      <p:cxnSp>
+        <p:nvCxnSpPr>
+          <p:cNvPr id="48" name="Straight Connector 47">
+            <a:extLst>
+              <a:ext uri="{FF2B5EF4-FFF2-40B4-BE49-F238E27FC236}">
+                <a16:creationId xmlns:a16="http://schemas.microsoft.com/office/drawing/2014/main" id="{EA31F5D3-D13B-4540-BBD5-E28BBBE6739C}"/>
+              </a:ext>
+            </a:extLst>
+          </p:cNvPr>
+          <p:cNvCxnSpPr/>
+          <p:nvPr/>
+        </p:nvCxnSpPr>
+        <p:spPr>
+          <a:xfrm>
+            <a:off x="3115232" y="2543745"/>
+            <a:ext cx="1507102" cy="0"/>
+          </a:xfrm>
+          <a:prstGeom prst="line">
+            <a:avLst/>
+          </a:prstGeom>
+          <a:ln w="28575">
+            <a:solidFill>
+              <a:schemeClr val="tx1"/>
+            </a:solidFill>
+          </a:ln>
+        </p:spPr>
+        <p:style>
+          <a:lnRef idx="1">
+            <a:schemeClr val="accent1"/>
+          </a:lnRef>
+          <a:fillRef idx="0">
+            <a:schemeClr val="accent1"/>
+          </a:fillRef>
+          <a:effectRef idx="0">
+            <a:schemeClr val="accent1"/>
+          </a:effectRef>
+          <a:fontRef idx="minor">
+            <a:schemeClr val="tx1"/>
+          </a:fontRef>
+        </p:style>
+      </p:cxnSp>
+      <p:cxnSp>
+        <p:nvCxnSpPr>
+          <p:cNvPr id="49" name="Straight Connector 48">
+            <a:extLst>
+              <a:ext uri="{FF2B5EF4-FFF2-40B4-BE49-F238E27FC236}">
+                <a16:creationId xmlns:a16="http://schemas.microsoft.com/office/drawing/2014/main" id="{F5680E83-F924-E943-8099-B41362C5738F}"/>
+              </a:ext>
+            </a:extLst>
+          </p:cNvPr>
+          <p:cNvCxnSpPr/>
+          <p:nvPr/>
+        </p:nvCxnSpPr>
+        <p:spPr>
+          <a:xfrm>
+            <a:off x="3115232" y="3214140"/>
+            <a:ext cx="1507102" cy="0"/>
+          </a:xfrm>
+          <a:prstGeom prst="line">
+            <a:avLst/>
+          </a:prstGeom>
+          <a:ln w="28575">
+            <a:solidFill>
+              <a:schemeClr val="tx1"/>
+            </a:solidFill>
+          </a:ln>
+        </p:spPr>
+        <p:style>
+          <a:lnRef idx="1">
+            <a:schemeClr val="accent1"/>
+          </a:lnRef>
+          <a:fillRef idx="0">
+            <a:schemeClr val="accent1"/>
+          </a:fillRef>
+          <a:effectRef idx="0">
+            <a:schemeClr val="accent1"/>
+          </a:effectRef>
+          <a:fontRef idx="minor">
+            <a:schemeClr val="tx1"/>
+          </a:fontRef>
+        </p:style>
+      </p:cxnSp>
+      <p:cxnSp>
+        <p:nvCxnSpPr>
+          <p:cNvPr id="50" name="Straight Connector 49">
+            <a:extLst>
+              <a:ext uri="{FF2B5EF4-FFF2-40B4-BE49-F238E27FC236}">
+                <a16:creationId xmlns:a16="http://schemas.microsoft.com/office/drawing/2014/main" id="{69FDDABD-0B03-6549-8D3E-C1B76F0A1D0E}"/>
+              </a:ext>
+            </a:extLst>
+          </p:cNvPr>
+          <p:cNvCxnSpPr/>
+          <p:nvPr/>
+        </p:nvCxnSpPr>
+        <p:spPr>
+          <a:xfrm>
+            <a:off x="3115232" y="4783142"/>
+            <a:ext cx="1507102" cy="0"/>
+          </a:xfrm>
+          <a:prstGeom prst="line">
+            <a:avLst/>
+          </a:prstGeom>
+          <a:ln w="28575">
+            <a:solidFill>
+              <a:schemeClr val="tx1"/>
+            </a:solidFill>
+          </a:ln>
+        </p:spPr>
+        <p:style>
+          <a:lnRef idx="1">
+            <a:schemeClr val="accent1"/>
+          </a:lnRef>
+          <a:fillRef idx="0">
+            <a:schemeClr val="accent1"/>
+          </a:fillRef>
+          <a:effectRef idx="0">
+            <a:schemeClr val="accent1"/>
+          </a:effectRef>
+          <a:fontRef idx="minor">
+            <a:schemeClr val="tx1"/>
+          </a:fontRef>
+        </p:style>
+      </p:cxnSp>
+      <p:cxnSp>
+        <p:nvCxnSpPr>
+          <p:cNvPr id="51" name="Straight Connector 50">
+            <a:extLst>
+              <a:ext uri="{FF2B5EF4-FFF2-40B4-BE49-F238E27FC236}">
+                <a16:creationId xmlns:a16="http://schemas.microsoft.com/office/drawing/2014/main" id="{D5597B2A-9BE9-A74A-9765-2AABD47A2005}"/>
+              </a:ext>
+            </a:extLst>
+          </p:cNvPr>
+          <p:cNvCxnSpPr/>
+          <p:nvPr/>
+        </p:nvCxnSpPr>
+        <p:spPr>
+          <a:xfrm>
+            <a:off x="3115232" y="4315750"/>
+            <a:ext cx="1507102" cy="0"/>
+          </a:xfrm>
+          <a:prstGeom prst="line">
+            <a:avLst/>
+          </a:prstGeom>
+          <a:ln w="28575">
+            <a:solidFill>
+              <a:schemeClr val="tx1"/>
+            </a:solidFill>
+          </a:ln>
+        </p:spPr>
+        <p:style>
+          <a:lnRef idx="1">
+            <a:schemeClr val="accent1"/>
+          </a:lnRef>
+          <a:fillRef idx="0">
+            <a:schemeClr val="accent1"/>
+          </a:fillRef>
+          <a:effectRef idx="0">
+            <a:schemeClr val="accent1"/>
+          </a:effectRef>
+          <a:fontRef idx="minor">
+            <a:schemeClr val="tx1"/>
+          </a:fontRef>
+        </p:style>
+      </p:cxnSp>
+      <p:pic>
+        <p:nvPicPr>
+          <p:cNvPr id="52" name="Picture 51">
+            <a:extLst>
+              <a:ext uri="{FF2B5EF4-FFF2-40B4-BE49-F238E27FC236}">
+                <a16:creationId xmlns:a16="http://schemas.microsoft.com/office/drawing/2014/main" id="{EB97BE4C-B45F-3E4E-AA3E-110EC680BC56}"/>
+              </a:ext>
+            </a:extLst>
+          </p:cNvPr>
+          <p:cNvPicPr>
+            <a:picLocks noChangeAspect="1"/>
+          </p:cNvPicPr>
+          <p:nvPr/>
+        </p:nvPicPr>
+        <p:blipFill>
+          <a:blip r:embed="rId2"/>
+          <a:stretch>
+            <a:fillRect/>
+          </a:stretch>
+        </p:blipFill>
+        <p:spPr>
+          <a:xfrm>
+            <a:off x="4622334" y="2799061"/>
+            <a:ext cx="914596" cy="609731"/>
+          </a:xfrm>
+          <a:prstGeom prst="rect">
+            <a:avLst/>
+          </a:prstGeom>
+        </p:spPr>
+      </p:pic>
+      <p:pic>
+        <p:nvPicPr>
+          <p:cNvPr id="53" name="Picture 52">
+            <a:extLst>
+              <a:ext uri="{FF2B5EF4-FFF2-40B4-BE49-F238E27FC236}">
+                <a16:creationId xmlns:a16="http://schemas.microsoft.com/office/drawing/2014/main" id="{D0FDEB85-2FF2-CB42-82C0-86EBE942DE12}"/>
+              </a:ext>
+            </a:extLst>
+          </p:cNvPr>
+          <p:cNvPicPr>
+            <a:picLocks noChangeAspect="1"/>
+          </p:cNvPicPr>
+          <p:nvPr/>
+        </p:nvPicPr>
+        <p:blipFill>
+          <a:blip r:embed="rId2"/>
+          <a:stretch>
+            <a:fillRect/>
+          </a:stretch>
+        </p:blipFill>
+        <p:spPr>
+          <a:xfrm>
+            <a:off x="4622334" y="2109498"/>
+            <a:ext cx="914596" cy="609731"/>
+          </a:xfrm>
+          <a:prstGeom prst="rect">
+            <a:avLst/>
+          </a:prstGeom>
+        </p:spPr>
+      </p:pic>
+      <p:sp>
+        <p:nvSpPr>
+          <p:cNvPr id="54" name="TextBox 53">
+            <a:extLst>
+              <a:ext uri="{FF2B5EF4-FFF2-40B4-BE49-F238E27FC236}">
+                <a16:creationId xmlns:a16="http://schemas.microsoft.com/office/drawing/2014/main" id="{FDFB425F-D040-C54D-8307-8B225B124E1F}"/>
+              </a:ext>
+            </a:extLst>
+          </p:cNvPr>
+          <p:cNvSpPr txBox="1"/>
+          <p:nvPr/>
+        </p:nvSpPr>
+        <p:spPr>
+          <a:xfrm>
+            <a:off x="4657652" y="3058863"/>
+            <a:ext cx="843960" cy="276999"/>
+          </a:xfrm>
+          <a:prstGeom prst="rect">
+            <a:avLst/>
+          </a:prstGeom>
+          <a:noFill/>
+        </p:spPr>
+        <p:txBody>
+          <a:bodyPr wrap="square" rtlCol="0">
+            <a:spAutoFit/>
+          </a:bodyPr>
+          <a:lstStyle/>
+          <a:p>
+            <a:r>
+              <a:rPr lang="en-US" sz="1200" dirty="0"/>
+              <a:t>processed</a:t>
+            </a:r>
+          </a:p>
+        </p:txBody>
+      </p:sp>
+      <p:sp>
+        <p:nvSpPr>
+          <p:cNvPr id="55" name="TextBox 54">
+            <a:extLst>
+              <a:ext uri="{FF2B5EF4-FFF2-40B4-BE49-F238E27FC236}">
+                <a16:creationId xmlns:a16="http://schemas.microsoft.com/office/drawing/2014/main" id="{89F0E607-2B8F-3E48-9176-6B0F2C90DC71}"/>
+              </a:ext>
+            </a:extLst>
+          </p:cNvPr>
+          <p:cNvSpPr txBox="1"/>
+          <p:nvPr/>
+        </p:nvSpPr>
+        <p:spPr>
+          <a:xfrm>
+            <a:off x="4850990" y="2371689"/>
+            <a:ext cx="685940" cy="276999"/>
+          </a:xfrm>
+          <a:prstGeom prst="rect">
+            <a:avLst/>
+          </a:prstGeom>
+          <a:noFill/>
+        </p:spPr>
+        <p:txBody>
+          <a:bodyPr wrap="square" rtlCol="0">
+            <a:spAutoFit/>
+          </a:bodyPr>
+          <a:lstStyle/>
+          <a:p>
+            <a:r>
+              <a:rPr lang="en-US" sz="1200" dirty="0"/>
+              <a:t>raw</a:t>
+            </a:r>
+          </a:p>
+        </p:txBody>
+      </p:sp>
+      <p:sp>
+        <p:nvSpPr>
+          <p:cNvPr id="56" name="TextBox 55">
+            <a:extLst>
+              <a:ext uri="{FF2B5EF4-FFF2-40B4-BE49-F238E27FC236}">
+                <a16:creationId xmlns:a16="http://schemas.microsoft.com/office/drawing/2014/main" id="{92C1FFE3-D1C7-DD4D-8382-F6982236831D}"/>
+              </a:ext>
+            </a:extLst>
+          </p:cNvPr>
+          <p:cNvSpPr txBox="1"/>
+          <p:nvPr/>
+        </p:nvSpPr>
+        <p:spPr>
+          <a:xfrm>
+            <a:off x="1709363" y="6688381"/>
+            <a:ext cx="2286000" cy="276999"/>
+          </a:xfrm>
+          <a:prstGeom prst="rect">
+            <a:avLst/>
+          </a:prstGeom>
+          <a:noFill/>
+        </p:spPr>
+        <p:txBody>
+          <a:bodyPr wrap="square" rtlCol="0">
+            <a:spAutoFit/>
+          </a:bodyPr>
+          <a:lstStyle/>
+          <a:p>
+            <a:r>
+              <a:rPr lang="en-US" sz="1200" dirty="0"/>
+              <a:t>1304.7762.pdf</a:t>
+            </a:r>
+          </a:p>
+        </p:txBody>
+      </p:sp>
+      <p:sp>
+        <p:nvSpPr>
+          <p:cNvPr id="57" name="TextBox 56">
+            <a:extLst>
+              <a:ext uri="{FF2B5EF4-FFF2-40B4-BE49-F238E27FC236}">
+                <a16:creationId xmlns:a16="http://schemas.microsoft.com/office/drawing/2014/main" id="{1F7354AF-9CBD-7547-8381-27BF3F87CC37}"/>
+              </a:ext>
+            </a:extLst>
+          </p:cNvPr>
+          <p:cNvSpPr txBox="1"/>
+          <p:nvPr/>
+        </p:nvSpPr>
+        <p:spPr>
+          <a:xfrm>
+            <a:off x="5574031" y="1342323"/>
+            <a:ext cx="2512486" cy="276999"/>
+          </a:xfrm>
+          <a:prstGeom prst="rect">
+            <a:avLst/>
+          </a:prstGeom>
+          <a:noFill/>
+        </p:spPr>
+        <p:txBody>
+          <a:bodyPr wrap="square" rtlCol="0">
+            <a:spAutoFit/>
+          </a:bodyPr>
+          <a:lstStyle/>
+          <a:p>
+            <a:r>
+              <a:rPr lang="en-US" sz="1200" dirty="0"/>
+              <a:t>20121103_ra179.7dec12.1_spec.fits</a:t>
+            </a:r>
+          </a:p>
+        </p:txBody>
+      </p:sp>
+      <p:sp>
+        <p:nvSpPr>
+          <p:cNvPr id="58" name="TextBox 57">
+            <a:extLst>
+              <a:ext uri="{FF2B5EF4-FFF2-40B4-BE49-F238E27FC236}">
+                <a16:creationId xmlns:a16="http://schemas.microsoft.com/office/drawing/2014/main" id="{82D8B83C-914A-D64E-B071-A26E793AA330}"/>
+              </a:ext>
+            </a:extLst>
+          </p:cNvPr>
+          <p:cNvSpPr txBox="1"/>
+          <p:nvPr/>
+        </p:nvSpPr>
+        <p:spPr>
+          <a:xfrm>
+            <a:off x="5727659" y="5351563"/>
+            <a:ext cx="2020296" cy="276999"/>
+          </a:xfrm>
+          <a:prstGeom prst="rect">
+            <a:avLst/>
+          </a:prstGeom>
+          <a:noFill/>
+        </p:spPr>
+        <p:txBody>
+          <a:bodyPr wrap="square" rtlCol="0">
+            <a:spAutoFit/>
+          </a:bodyPr>
+          <a:lstStyle/>
+          <a:p>
+            <a:r>
+              <a:rPr lang="en-US" sz="1200" dirty="0" err="1"/>
+              <a:t>mass_pitchangle_scatter.png</a:t>
+            </a:r>
+            <a:endParaRPr lang="en-US" sz="1200" dirty="0"/>
+          </a:p>
+        </p:txBody>
+      </p:sp>
+      <p:sp>
+        <p:nvSpPr>
+          <p:cNvPr id="59" name="TextBox 58">
+            <a:extLst>
+              <a:ext uri="{FF2B5EF4-FFF2-40B4-BE49-F238E27FC236}">
+                <a16:creationId xmlns:a16="http://schemas.microsoft.com/office/drawing/2014/main" id="{5611DAF7-105E-A54F-8B24-2861BDB780B7}"/>
+              </a:ext>
+            </a:extLst>
+          </p:cNvPr>
+          <p:cNvSpPr txBox="1"/>
+          <p:nvPr/>
+        </p:nvSpPr>
+        <p:spPr>
+          <a:xfrm>
+            <a:off x="5726659" y="5074603"/>
+            <a:ext cx="1766722" cy="276999"/>
+          </a:xfrm>
+          <a:prstGeom prst="rect">
+            <a:avLst/>
+          </a:prstGeom>
+          <a:noFill/>
+        </p:spPr>
+        <p:txBody>
+          <a:bodyPr wrap="square" rtlCol="0">
+            <a:spAutoFit/>
+          </a:bodyPr>
+          <a:lstStyle/>
+          <a:p>
+            <a:r>
+              <a:rPr lang="en-US" sz="1200" dirty="0" err="1"/>
+              <a:t>redshift_histogram.png</a:t>
+            </a:r>
+            <a:endParaRPr lang="en-US" sz="1200" dirty="0"/>
+          </a:p>
+        </p:txBody>
+      </p:sp>
+      <p:sp>
+        <p:nvSpPr>
+          <p:cNvPr id="60" name="TextBox 59">
+            <a:extLst>
+              <a:ext uri="{FF2B5EF4-FFF2-40B4-BE49-F238E27FC236}">
+                <a16:creationId xmlns:a16="http://schemas.microsoft.com/office/drawing/2014/main" id="{92ECFDEE-D561-2048-A5AB-90EFD6A19B8C}"/>
+              </a:ext>
+            </a:extLst>
+          </p:cNvPr>
+          <p:cNvSpPr txBox="1"/>
+          <p:nvPr/>
+        </p:nvSpPr>
+        <p:spPr>
+          <a:xfrm>
+            <a:off x="4657652" y="4955903"/>
+            <a:ext cx="685940" cy="276999"/>
+          </a:xfrm>
+          <a:prstGeom prst="rect">
+            <a:avLst/>
+          </a:prstGeom>
+          <a:noFill/>
+        </p:spPr>
+        <p:txBody>
+          <a:bodyPr wrap="square" rtlCol="0">
+            <a:spAutoFit/>
+          </a:bodyPr>
+          <a:lstStyle/>
+          <a:p>
+            <a:r>
+              <a:rPr lang="en-US" sz="1200" dirty="0"/>
+              <a:t>plots</a:t>
+            </a:r>
+          </a:p>
+        </p:txBody>
+      </p:sp>
+      <p:sp>
+        <p:nvSpPr>
+          <p:cNvPr id="61" name="TextBox 60">
+            <a:extLst>
+              <a:ext uri="{FF2B5EF4-FFF2-40B4-BE49-F238E27FC236}">
+                <a16:creationId xmlns:a16="http://schemas.microsoft.com/office/drawing/2014/main" id="{432D8CF5-FD2D-AA47-85A9-AB0EFFFBEC4C}"/>
+              </a:ext>
+            </a:extLst>
+          </p:cNvPr>
+          <p:cNvSpPr txBox="1"/>
+          <p:nvPr/>
+        </p:nvSpPr>
+        <p:spPr>
+          <a:xfrm>
+            <a:off x="5760588" y="4755837"/>
+            <a:ext cx="849432" cy="276999"/>
+          </a:xfrm>
+          <a:prstGeom prst="rect">
+            <a:avLst/>
+          </a:prstGeom>
+          <a:noFill/>
+        </p:spPr>
+        <p:txBody>
+          <a:bodyPr wrap="square" rtlCol="0">
+            <a:spAutoFit/>
+          </a:bodyPr>
+          <a:lstStyle/>
+          <a:p>
+            <a:r>
+              <a:rPr lang="en-US" sz="1200" dirty="0" err="1"/>
+              <a:t>results.csv</a:t>
+            </a:r>
+            <a:endParaRPr lang="en-US" sz="1200" dirty="0"/>
+          </a:p>
+        </p:txBody>
+      </p:sp>
+      <p:sp>
+        <p:nvSpPr>
+          <p:cNvPr id="62" name="TextBox 61">
+            <a:extLst>
+              <a:ext uri="{FF2B5EF4-FFF2-40B4-BE49-F238E27FC236}">
+                <a16:creationId xmlns:a16="http://schemas.microsoft.com/office/drawing/2014/main" id="{BEBE3446-10C6-5A4B-8D5C-601CFD02D034}"/>
+              </a:ext>
+            </a:extLst>
+          </p:cNvPr>
+          <p:cNvSpPr txBox="1"/>
+          <p:nvPr/>
+        </p:nvSpPr>
+        <p:spPr>
+          <a:xfrm>
+            <a:off x="5788235" y="4460886"/>
+            <a:ext cx="685940" cy="276999"/>
+          </a:xfrm>
+          <a:prstGeom prst="rect">
+            <a:avLst/>
+          </a:prstGeom>
+          <a:noFill/>
+        </p:spPr>
+        <p:txBody>
+          <a:bodyPr wrap="square" rtlCol="0">
+            <a:spAutoFit/>
+          </a:bodyPr>
+          <a:lstStyle/>
+          <a:p>
+            <a:r>
+              <a:rPr lang="en-US" sz="1200" dirty="0"/>
+              <a:t>2dfft.py</a:t>
+            </a:r>
+          </a:p>
+        </p:txBody>
+      </p:sp>
+      <p:sp>
+        <p:nvSpPr>
+          <p:cNvPr id="63" name="TextBox 62">
+            <a:extLst>
+              <a:ext uri="{FF2B5EF4-FFF2-40B4-BE49-F238E27FC236}">
+                <a16:creationId xmlns:a16="http://schemas.microsoft.com/office/drawing/2014/main" id="{A3991E54-14BB-DB4B-8648-F604363B1603}"/>
+              </a:ext>
+            </a:extLst>
+          </p:cNvPr>
+          <p:cNvSpPr txBox="1"/>
+          <p:nvPr/>
+        </p:nvSpPr>
+        <p:spPr>
+          <a:xfrm>
+            <a:off x="5788235" y="4183887"/>
+            <a:ext cx="949572" cy="276999"/>
+          </a:xfrm>
+          <a:prstGeom prst="rect">
+            <a:avLst/>
+          </a:prstGeom>
+          <a:noFill/>
+        </p:spPr>
+        <p:txBody>
+          <a:bodyPr wrap="square" rtlCol="0">
+            <a:spAutoFit/>
+          </a:bodyPr>
+          <a:lstStyle/>
+          <a:p>
+            <a:r>
+              <a:rPr lang="en-US" sz="1200" dirty="0" err="1"/>
+              <a:t>BHmass.py</a:t>
+            </a:r>
+            <a:endParaRPr lang="en-US" sz="1200" dirty="0"/>
+          </a:p>
+        </p:txBody>
+      </p:sp>
+      <p:pic>
+        <p:nvPicPr>
+          <p:cNvPr id="65" name="Picture 64">
+            <a:extLst>
+              <a:ext uri="{FF2B5EF4-FFF2-40B4-BE49-F238E27FC236}">
+                <a16:creationId xmlns:a16="http://schemas.microsoft.com/office/drawing/2014/main" id="{43AF3C78-2511-2D40-B75B-3816A53700A0}"/>
+              </a:ext>
+            </a:extLst>
+          </p:cNvPr>
+          <p:cNvPicPr>
+            <a:picLocks noChangeAspect="1"/>
+          </p:cNvPicPr>
+          <p:nvPr/>
+        </p:nvPicPr>
+        <p:blipFill>
+          <a:blip r:embed="rId3">
+            <a:clrChange>
+              <a:clrFrom>
+                <a:srgbClr val="FFFFFF"/>
+              </a:clrFrom>
+              <a:clrTo>
+                <a:srgbClr val="FFFFFF">
+                  <a:alpha val="0"/>
+                </a:srgbClr>
+              </a:clrTo>
+            </a:clrChange>
+          </a:blip>
+          <a:stretch>
+            <a:fillRect/>
+          </a:stretch>
+        </p:blipFill>
+        <p:spPr>
+          <a:xfrm>
+            <a:off x="8730310" y="6438766"/>
+            <a:ext cx="731520" cy="731520"/>
+          </a:xfrm>
+          <a:prstGeom prst="rect">
+            <a:avLst/>
+          </a:prstGeom>
+        </p:spPr>
+      </p:pic>
+      <p:pic>
+        <p:nvPicPr>
+          <p:cNvPr id="68" name="Picture 67">
+            <a:extLst>
+              <a:ext uri="{FF2B5EF4-FFF2-40B4-BE49-F238E27FC236}">
+                <a16:creationId xmlns:a16="http://schemas.microsoft.com/office/drawing/2014/main" id="{FBC06078-73D1-4D46-AFD6-B7C662907410}"/>
+              </a:ext>
+            </a:extLst>
+          </p:cNvPr>
+          <p:cNvPicPr>
+            <a:picLocks noChangeAspect="1"/>
+          </p:cNvPicPr>
+          <p:nvPr/>
+        </p:nvPicPr>
+        <p:blipFill>
+          <a:blip r:embed="rId2"/>
+          <a:stretch>
+            <a:fillRect/>
+          </a:stretch>
+        </p:blipFill>
+        <p:spPr>
+          <a:xfrm>
+            <a:off x="4622334" y="4322387"/>
+            <a:ext cx="914596" cy="609731"/>
+          </a:xfrm>
+          <a:prstGeom prst="rect">
+            <a:avLst/>
+          </a:prstGeom>
+        </p:spPr>
+      </p:pic>
+      <p:sp>
+        <p:nvSpPr>
+          <p:cNvPr id="69" name="TextBox 68">
+            <a:extLst>
+              <a:ext uri="{FF2B5EF4-FFF2-40B4-BE49-F238E27FC236}">
+                <a16:creationId xmlns:a16="http://schemas.microsoft.com/office/drawing/2014/main" id="{2AA21548-12FE-4F47-92F7-7A2EFA709F27}"/>
+              </a:ext>
+            </a:extLst>
+          </p:cNvPr>
+          <p:cNvSpPr txBox="1"/>
+          <p:nvPr/>
+        </p:nvSpPr>
+        <p:spPr>
+          <a:xfrm>
+            <a:off x="1709363" y="6161767"/>
+            <a:ext cx="2286000" cy="276999"/>
+          </a:xfrm>
+          <a:prstGeom prst="rect">
+            <a:avLst/>
+          </a:prstGeom>
+          <a:noFill/>
+        </p:spPr>
+        <p:txBody>
+          <a:bodyPr wrap="square" rtlCol="0">
+            <a:spAutoFit/>
+          </a:bodyPr>
+          <a:lstStyle/>
+          <a:p>
+            <a:r>
+              <a:rPr lang="en-US" sz="1200" dirty="0"/>
+              <a:t>paper on mass </a:t>
+            </a:r>
+            <a:r>
+              <a:rPr lang="en-US" sz="1200" dirty="0" err="1"/>
+              <a:t>estimates.pdf</a:t>
+            </a:r>
+            <a:endParaRPr lang="en-US" sz="1200" dirty="0"/>
+          </a:p>
+        </p:txBody>
+      </p:sp>
+      <p:sp>
+        <p:nvSpPr>
+          <p:cNvPr id="70" name="TextBox 69">
+            <a:extLst>
+              <a:ext uri="{FF2B5EF4-FFF2-40B4-BE49-F238E27FC236}">
+                <a16:creationId xmlns:a16="http://schemas.microsoft.com/office/drawing/2014/main" id="{6CDC406A-F1F6-9243-B072-DB14AD51D859}"/>
+              </a:ext>
+            </a:extLst>
+          </p:cNvPr>
+          <p:cNvSpPr txBox="1"/>
+          <p:nvPr/>
+        </p:nvSpPr>
+        <p:spPr>
+          <a:xfrm>
+            <a:off x="1709363" y="6411460"/>
+            <a:ext cx="2286000" cy="276999"/>
+          </a:xfrm>
+          <a:prstGeom prst="rect">
+            <a:avLst/>
+          </a:prstGeom>
+          <a:noFill/>
+        </p:spPr>
+        <p:txBody>
+          <a:bodyPr wrap="square" rtlCol="0">
+            <a:spAutoFit/>
+          </a:bodyPr>
+          <a:lstStyle/>
+          <a:p>
+            <a:r>
+              <a:rPr lang="en-US" sz="1200" dirty="0" err="1"/>
+              <a:t>spiralPaper.pdf</a:t>
+            </a:r>
+            <a:endParaRPr lang="en-US" sz="1200" dirty="0"/>
+          </a:p>
+        </p:txBody>
+      </p:sp>
+      <p:sp>
+        <p:nvSpPr>
+          <p:cNvPr id="71" name="TextBox 70">
+            <a:extLst>
+              <a:ext uri="{FF2B5EF4-FFF2-40B4-BE49-F238E27FC236}">
+                <a16:creationId xmlns:a16="http://schemas.microsoft.com/office/drawing/2014/main" id="{039F59CB-ED91-6D40-9D81-5F81CFF99E7A}"/>
+              </a:ext>
+            </a:extLst>
+          </p:cNvPr>
+          <p:cNvSpPr txBox="1"/>
+          <p:nvPr/>
+        </p:nvSpPr>
+        <p:spPr>
+          <a:xfrm>
+            <a:off x="5574030" y="2177334"/>
+            <a:ext cx="2453955" cy="276999"/>
+          </a:xfrm>
+          <a:prstGeom prst="rect">
+            <a:avLst/>
+          </a:prstGeom>
+          <a:noFill/>
+        </p:spPr>
+        <p:txBody>
+          <a:bodyPr wrap="square" rtlCol="0">
+            <a:spAutoFit/>
+          </a:bodyPr>
+          <a:lstStyle/>
+          <a:p>
+            <a:r>
+              <a:rPr lang="en-US" sz="1200" dirty="0"/>
+              <a:t>20121104_ra180.0dec12.1_spec.fits</a:t>
+            </a:r>
+          </a:p>
+        </p:txBody>
+      </p:sp>
+      <p:sp>
+        <p:nvSpPr>
+          <p:cNvPr id="72" name="TextBox 71">
+            <a:extLst>
+              <a:ext uri="{FF2B5EF4-FFF2-40B4-BE49-F238E27FC236}">
+                <a16:creationId xmlns:a16="http://schemas.microsoft.com/office/drawing/2014/main" id="{0A8D5842-4CF1-1C49-BCE4-1B55FC6F1BB0}"/>
+              </a:ext>
+            </a:extLst>
+          </p:cNvPr>
+          <p:cNvSpPr txBox="1"/>
+          <p:nvPr/>
+        </p:nvSpPr>
+        <p:spPr>
+          <a:xfrm>
+            <a:off x="5574030" y="1076303"/>
+            <a:ext cx="2564985" cy="276999"/>
+          </a:xfrm>
+          <a:prstGeom prst="rect">
+            <a:avLst/>
+          </a:prstGeom>
+          <a:noFill/>
+        </p:spPr>
+        <p:txBody>
+          <a:bodyPr wrap="square" rtlCol="0">
+            <a:spAutoFit/>
+          </a:bodyPr>
+          <a:lstStyle/>
+          <a:p>
+            <a:r>
+              <a:rPr lang="en-US" sz="1200" dirty="0"/>
+              <a:t>20121103_ra179.7dec12.1_r.fits</a:t>
+            </a:r>
+          </a:p>
+        </p:txBody>
+      </p:sp>
+      <p:sp>
+        <p:nvSpPr>
+          <p:cNvPr id="73" name="TextBox 72">
+            <a:extLst>
+              <a:ext uri="{FF2B5EF4-FFF2-40B4-BE49-F238E27FC236}">
+                <a16:creationId xmlns:a16="http://schemas.microsoft.com/office/drawing/2014/main" id="{9887F2FB-DFCA-4C43-894C-46E013B0B1BE}"/>
+              </a:ext>
+            </a:extLst>
+          </p:cNvPr>
+          <p:cNvSpPr txBox="1"/>
+          <p:nvPr/>
+        </p:nvSpPr>
+        <p:spPr>
+          <a:xfrm>
+            <a:off x="5576021" y="790005"/>
+            <a:ext cx="2564985" cy="276999"/>
+          </a:xfrm>
+          <a:prstGeom prst="rect">
+            <a:avLst/>
+          </a:prstGeom>
+          <a:noFill/>
+        </p:spPr>
+        <p:txBody>
+          <a:bodyPr wrap="square" rtlCol="0">
+            <a:spAutoFit/>
+          </a:bodyPr>
+          <a:lstStyle/>
+          <a:p>
+            <a:r>
+              <a:rPr lang="en-US" sz="1200" dirty="0"/>
+              <a:t>20121103_ra179.7dec12.1_g.fits</a:t>
+            </a:r>
+          </a:p>
+        </p:txBody>
+      </p:sp>
+      <p:sp>
+        <p:nvSpPr>
+          <p:cNvPr id="74" name="TextBox 73">
+            <a:extLst>
+              <a:ext uri="{FF2B5EF4-FFF2-40B4-BE49-F238E27FC236}">
+                <a16:creationId xmlns:a16="http://schemas.microsoft.com/office/drawing/2014/main" id="{EBB40D8B-49A1-7B46-B75C-509904825894}"/>
+              </a:ext>
+            </a:extLst>
+          </p:cNvPr>
+          <p:cNvSpPr txBox="1"/>
+          <p:nvPr/>
+        </p:nvSpPr>
+        <p:spPr>
+          <a:xfrm>
+            <a:off x="5574030" y="1902399"/>
+            <a:ext cx="2564985" cy="276999"/>
+          </a:xfrm>
+          <a:prstGeom prst="rect">
+            <a:avLst/>
+          </a:prstGeom>
+          <a:noFill/>
+        </p:spPr>
+        <p:txBody>
+          <a:bodyPr wrap="square" rtlCol="0">
+            <a:spAutoFit/>
+          </a:bodyPr>
+          <a:lstStyle/>
+          <a:p>
+            <a:r>
+              <a:rPr lang="en-US" sz="1200" dirty="0"/>
+              <a:t>20121104_ra180.0dec12.1_r.fits</a:t>
+            </a:r>
+          </a:p>
+        </p:txBody>
+      </p:sp>
+      <p:sp>
+        <p:nvSpPr>
+          <p:cNvPr id="75" name="TextBox 74">
+            <a:extLst>
+              <a:ext uri="{FF2B5EF4-FFF2-40B4-BE49-F238E27FC236}">
+                <a16:creationId xmlns:a16="http://schemas.microsoft.com/office/drawing/2014/main" id="{940F5590-53D1-F74A-B253-B61EEF2F704F}"/>
+              </a:ext>
+            </a:extLst>
+          </p:cNvPr>
+          <p:cNvSpPr txBox="1"/>
+          <p:nvPr/>
+        </p:nvSpPr>
+        <p:spPr>
+          <a:xfrm>
+            <a:off x="5604090" y="1625565"/>
+            <a:ext cx="2564985" cy="276999"/>
+          </a:xfrm>
+          <a:prstGeom prst="rect">
+            <a:avLst/>
+          </a:prstGeom>
+          <a:noFill/>
+        </p:spPr>
+        <p:txBody>
+          <a:bodyPr wrap="square" rtlCol="0">
+            <a:spAutoFit/>
+          </a:bodyPr>
+          <a:lstStyle/>
+          <a:p>
+            <a:r>
+              <a:rPr lang="en-US" sz="1200" dirty="0"/>
+              <a:t>20121104_ra180.0dec12.1_g.fits</a:t>
+            </a:r>
+          </a:p>
+        </p:txBody>
+      </p:sp>
+      <p:sp>
+        <p:nvSpPr>
+          <p:cNvPr id="76" name="TextBox 75">
+            <a:extLst>
+              <a:ext uri="{FF2B5EF4-FFF2-40B4-BE49-F238E27FC236}">
+                <a16:creationId xmlns:a16="http://schemas.microsoft.com/office/drawing/2014/main" id="{346D32E0-CF3B-7C43-A2F2-2A1A1CEEAC8E}"/>
+              </a:ext>
+            </a:extLst>
+          </p:cNvPr>
+          <p:cNvSpPr txBox="1"/>
+          <p:nvPr/>
+        </p:nvSpPr>
+        <p:spPr>
+          <a:xfrm>
+            <a:off x="5550249" y="2471849"/>
+            <a:ext cx="2453955" cy="276999"/>
+          </a:xfrm>
+          <a:prstGeom prst="rect">
+            <a:avLst/>
+          </a:prstGeom>
+          <a:noFill/>
+        </p:spPr>
+        <p:txBody>
+          <a:bodyPr wrap="square" rtlCol="0">
+            <a:spAutoFit/>
+          </a:bodyPr>
+          <a:lstStyle/>
+          <a:p>
+            <a:r>
+              <a:rPr lang="en-US" sz="1200" dirty="0"/>
+              <a:t>galaxy1_gband_crop.fits</a:t>
+            </a:r>
+          </a:p>
+        </p:txBody>
+      </p:sp>
+      <p:sp>
+        <p:nvSpPr>
+          <p:cNvPr id="77" name="TextBox 76">
+            <a:extLst>
+              <a:ext uri="{FF2B5EF4-FFF2-40B4-BE49-F238E27FC236}">
+                <a16:creationId xmlns:a16="http://schemas.microsoft.com/office/drawing/2014/main" id="{53F11D69-6617-054E-9EA0-D90F0CE2A853}"/>
+              </a:ext>
+            </a:extLst>
+          </p:cNvPr>
+          <p:cNvSpPr txBox="1"/>
+          <p:nvPr/>
+        </p:nvSpPr>
+        <p:spPr>
+          <a:xfrm>
+            <a:off x="5550250" y="2716749"/>
+            <a:ext cx="2453955" cy="276999"/>
+          </a:xfrm>
+          <a:prstGeom prst="rect">
+            <a:avLst/>
+          </a:prstGeom>
+          <a:noFill/>
+        </p:spPr>
+        <p:txBody>
+          <a:bodyPr wrap="square" rtlCol="0">
+            <a:spAutoFit/>
+          </a:bodyPr>
+          <a:lstStyle/>
+          <a:p>
+            <a:r>
+              <a:rPr lang="en-US" sz="1200" dirty="0"/>
+              <a:t>galaxy1_rband_crop.fits</a:t>
+            </a:r>
+          </a:p>
+        </p:txBody>
+      </p:sp>
+      <p:sp>
+        <p:nvSpPr>
+          <p:cNvPr id="78" name="TextBox 77">
+            <a:extLst>
+              <a:ext uri="{FF2B5EF4-FFF2-40B4-BE49-F238E27FC236}">
+                <a16:creationId xmlns:a16="http://schemas.microsoft.com/office/drawing/2014/main" id="{CF3404DC-B339-D747-B2F2-268E8416AAB5}"/>
+              </a:ext>
+            </a:extLst>
+          </p:cNvPr>
+          <p:cNvSpPr txBox="1"/>
+          <p:nvPr/>
+        </p:nvSpPr>
+        <p:spPr>
+          <a:xfrm>
+            <a:off x="5543590" y="2943062"/>
+            <a:ext cx="2453955" cy="276999"/>
+          </a:xfrm>
+          <a:prstGeom prst="rect">
+            <a:avLst/>
+          </a:prstGeom>
+          <a:noFill/>
+        </p:spPr>
+        <p:txBody>
+          <a:bodyPr wrap="square" rtlCol="0">
+            <a:spAutoFit/>
+          </a:bodyPr>
+          <a:lstStyle/>
+          <a:p>
+            <a:r>
+              <a:rPr lang="en-US" sz="1200" dirty="0"/>
+              <a:t>galaxy1_restframe_spec.fits</a:t>
+            </a:r>
+          </a:p>
+        </p:txBody>
+      </p:sp>
+      <p:sp>
+        <p:nvSpPr>
+          <p:cNvPr id="82" name="TextBox 81">
+            <a:extLst>
+              <a:ext uri="{FF2B5EF4-FFF2-40B4-BE49-F238E27FC236}">
+                <a16:creationId xmlns:a16="http://schemas.microsoft.com/office/drawing/2014/main" id="{9B682142-5004-D548-994A-BFED74F6D39A}"/>
+              </a:ext>
+            </a:extLst>
+          </p:cNvPr>
+          <p:cNvSpPr txBox="1"/>
+          <p:nvPr/>
+        </p:nvSpPr>
+        <p:spPr>
+          <a:xfrm>
+            <a:off x="5536930" y="3206550"/>
+            <a:ext cx="2453955" cy="276999"/>
+          </a:xfrm>
+          <a:prstGeom prst="rect">
+            <a:avLst/>
+          </a:prstGeom>
+          <a:noFill/>
+        </p:spPr>
+        <p:txBody>
+          <a:bodyPr wrap="square" rtlCol="0">
+            <a:spAutoFit/>
+          </a:bodyPr>
+          <a:lstStyle/>
+          <a:p>
+            <a:r>
+              <a:rPr lang="en-US" sz="1200" dirty="0"/>
+              <a:t>galaxy2_gband_crop.fits</a:t>
+            </a:r>
+          </a:p>
+        </p:txBody>
+      </p:sp>
+      <p:sp>
+        <p:nvSpPr>
+          <p:cNvPr id="83" name="TextBox 82">
+            <a:extLst>
+              <a:ext uri="{FF2B5EF4-FFF2-40B4-BE49-F238E27FC236}">
+                <a16:creationId xmlns:a16="http://schemas.microsoft.com/office/drawing/2014/main" id="{E572FA84-2E35-CA4D-AADD-E78847479F93}"/>
+              </a:ext>
+            </a:extLst>
+          </p:cNvPr>
+          <p:cNvSpPr txBox="1"/>
+          <p:nvPr/>
+        </p:nvSpPr>
+        <p:spPr>
+          <a:xfrm>
+            <a:off x="5550250" y="3475869"/>
+            <a:ext cx="2453955" cy="276999"/>
+          </a:xfrm>
+          <a:prstGeom prst="rect">
+            <a:avLst/>
+          </a:prstGeom>
+          <a:noFill/>
+        </p:spPr>
+        <p:txBody>
+          <a:bodyPr wrap="square" rtlCol="0">
+            <a:spAutoFit/>
+          </a:bodyPr>
+          <a:lstStyle/>
+          <a:p>
+            <a:r>
+              <a:rPr lang="en-US" sz="1200" dirty="0"/>
+              <a:t>galaxy2_rband_crop.fits</a:t>
+            </a:r>
+          </a:p>
+        </p:txBody>
+      </p:sp>
+      <p:sp>
+        <p:nvSpPr>
+          <p:cNvPr id="84" name="TextBox 83">
+            <a:extLst>
+              <a:ext uri="{FF2B5EF4-FFF2-40B4-BE49-F238E27FC236}">
+                <a16:creationId xmlns:a16="http://schemas.microsoft.com/office/drawing/2014/main" id="{A3C503AC-A31B-F444-AE63-B5B1C8BE914C}"/>
+              </a:ext>
+            </a:extLst>
+          </p:cNvPr>
+          <p:cNvSpPr txBox="1"/>
+          <p:nvPr/>
+        </p:nvSpPr>
+        <p:spPr>
+          <a:xfrm>
+            <a:off x="5550251" y="3747037"/>
+            <a:ext cx="2453955" cy="276999"/>
+          </a:xfrm>
+          <a:prstGeom prst="rect">
+            <a:avLst/>
+          </a:prstGeom>
+          <a:noFill/>
+        </p:spPr>
+        <p:txBody>
+          <a:bodyPr wrap="square" rtlCol="0">
+            <a:spAutoFit/>
+          </a:bodyPr>
+          <a:lstStyle/>
+          <a:p>
+            <a:r>
+              <a:rPr lang="en-US" sz="1200" dirty="0"/>
+              <a:t>galaxy2_restframe_spec.fits</a:t>
+            </a:r>
+          </a:p>
+        </p:txBody>
+      </p:sp>
+    </p:spTree>
+    <p:extLst>
+      <p:ext uri="{BB962C8B-B14F-4D97-AF65-F5344CB8AC3E}">
+        <p14:creationId xmlns:p14="http://schemas.microsoft.com/office/powerpoint/2010/main" val="205191488"/>
+      </p:ext>
+    </p:extLst>
+  </p:cSld>
+  <p:clrMapOvr>
+    <a:masterClrMapping/>
+  </p:clrMapOvr>
+</p:sld>
+</file>
+
+<file path=ppt/slides/slide2.xml><?xml version="1.0" encoding="utf-8"?>
+<p:sld xmlns:a="http://schemas.openxmlformats.org/drawingml/2006/main" xmlns:r="http://schemas.openxmlformats.org/officeDocument/2006/relationships" xmlns:p="http://schemas.openxmlformats.org/presentationml/2006/main">
+  <p:cSld>
+    <p:spTree>
+      <p:nvGrpSpPr>
+        <p:cNvPr id="1" name=""/>
+        <p:cNvGrpSpPr/>
+        <p:nvPr/>
+      </p:nvGrpSpPr>
+      <p:grpSpPr>
+        <a:xfrm>
+          <a:off x="0" y="0"/>
+          <a:ext cx="0" cy="0"/>
+          <a:chOff x="0" y="0"/>
+          <a:chExt cx="0" cy="0"/>
+        </a:xfrm>
+      </p:grpSpPr>
+      <p:pic>
+        <p:nvPicPr>
+          <p:cNvPr id="5" name="Picture 4">
+            <a:extLst>
+              <a:ext uri="{FF2B5EF4-FFF2-40B4-BE49-F238E27FC236}">
+                <a16:creationId xmlns:a16="http://schemas.microsoft.com/office/drawing/2014/main" id="{E076E656-650F-944D-93D8-420A8BB4C1C6}"/>
+              </a:ext>
+            </a:extLst>
+          </p:cNvPr>
+          <p:cNvPicPr>
+            <a:picLocks noChangeAspect="1"/>
+          </p:cNvPicPr>
+          <p:nvPr/>
+        </p:nvPicPr>
+        <p:blipFill>
+          <a:blip r:embed="rId2"/>
+          <a:stretch>
+            <a:fillRect/>
+          </a:stretch>
+        </p:blipFill>
+        <p:spPr>
+          <a:xfrm>
+            <a:off x="1008530" y="654423"/>
+            <a:ext cx="1075765" cy="717177"/>
+          </a:xfrm>
+          <a:prstGeom prst="rect">
+            <a:avLst/>
+          </a:prstGeom>
+        </p:spPr>
+      </p:pic>
+      <p:sp>
+        <p:nvSpPr>
+          <p:cNvPr id="6" name="TextBox 5">
+            <a:extLst>
+              <a:ext uri="{FF2B5EF4-FFF2-40B4-BE49-F238E27FC236}">
+                <a16:creationId xmlns:a16="http://schemas.microsoft.com/office/drawing/2014/main" id="{E84ECCCF-0532-DA46-9B53-528EEC982343}"/>
+              </a:ext>
+            </a:extLst>
+          </p:cNvPr>
+          <p:cNvSpPr txBox="1"/>
+          <p:nvPr/>
+        </p:nvSpPr>
+        <p:spPr>
+          <a:xfrm>
+            <a:off x="127741" y="1344701"/>
+            <a:ext cx="1949823" cy="276999"/>
+          </a:xfrm>
+          <a:prstGeom prst="rect">
+            <a:avLst/>
+          </a:prstGeom>
+          <a:noFill/>
+        </p:spPr>
+        <p:txBody>
+          <a:bodyPr wrap="square" rtlCol="0">
+            <a:spAutoFit/>
+          </a:bodyPr>
+          <a:lstStyle/>
+          <a:p>
+            <a:r>
+              <a:rPr lang="en-US" sz="1200" dirty="0" err="1"/>
+              <a:t>BlackHoleMass_SpiralGalaxy</a:t>
+            </a:r>
+            <a:endParaRPr lang="en-US" sz="1200" dirty="0"/>
+          </a:p>
+        </p:txBody>
+      </p:sp>
+      <p:pic>
+        <p:nvPicPr>
+          <p:cNvPr id="7" name="Picture 6">
+            <a:extLst>
+              <a:ext uri="{FF2B5EF4-FFF2-40B4-BE49-F238E27FC236}">
+                <a16:creationId xmlns:a16="http://schemas.microsoft.com/office/drawing/2014/main" id="{2739B210-31EE-C940-BEEA-A78AE9C541AB}"/>
+              </a:ext>
+            </a:extLst>
+          </p:cNvPr>
+          <p:cNvPicPr>
+            <a:picLocks noChangeAspect="1"/>
+          </p:cNvPicPr>
+          <p:nvPr/>
+        </p:nvPicPr>
+        <p:blipFill>
+          <a:blip r:embed="rId2"/>
+          <a:stretch>
+            <a:fillRect/>
+          </a:stretch>
+        </p:blipFill>
+        <p:spPr>
+          <a:xfrm>
+            <a:off x="2577352" y="1732217"/>
+            <a:ext cx="914596" cy="609731"/>
+          </a:xfrm>
+          <a:prstGeom prst="rect">
+            <a:avLst/>
+          </a:prstGeom>
+        </p:spPr>
+      </p:pic>
+      <p:pic>
+        <p:nvPicPr>
+          <p:cNvPr id="8" name="Picture 7">
+            <a:extLst>
+              <a:ext uri="{FF2B5EF4-FFF2-40B4-BE49-F238E27FC236}">
+                <a16:creationId xmlns:a16="http://schemas.microsoft.com/office/drawing/2014/main" id="{19955C85-2BC3-0F42-8C81-1C77EB869E0B}"/>
+              </a:ext>
+            </a:extLst>
+          </p:cNvPr>
+          <p:cNvPicPr>
+            <a:picLocks noChangeAspect="1"/>
+          </p:cNvPicPr>
+          <p:nvPr/>
+        </p:nvPicPr>
+        <p:blipFill>
+          <a:blip r:embed="rId2"/>
+          <a:stretch>
+            <a:fillRect/>
+          </a:stretch>
+        </p:blipFill>
+        <p:spPr>
+          <a:xfrm>
+            <a:off x="2577351" y="3414304"/>
+            <a:ext cx="914597" cy="609732"/>
+          </a:xfrm>
+          <a:prstGeom prst="rect">
+            <a:avLst/>
+          </a:prstGeom>
+        </p:spPr>
+      </p:pic>
+      <p:pic>
+        <p:nvPicPr>
+          <p:cNvPr id="9" name="Picture 8">
+            <a:extLst>
+              <a:ext uri="{FF2B5EF4-FFF2-40B4-BE49-F238E27FC236}">
+                <a16:creationId xmlns:a16="http://schemas.microsoft.com/office/drawing/2014/main" id="{EBB42015-DCD8-844C-9DBE-7BE9623E970E}"/>
+              </a:ext>
+            </a:extLst>
+          </p:cNvPr>
+          <p:cNvPicPr>
+            <a:picLocks noChangeAspect="1"/>
+          </p:cNvPicPr>
+          <p:nvPr/>
+        </p:nvPicPr>
+        <p:blipFill>
+          <a:blip r:embed="rId2"/>
+          <a:stretch>
+            <a:fillRect/>
+          </a:stretch>
+        </p:blipFill>
+        <p:spPr>
+          <a:xfrm>
+            <a:off x="2539731" y="6244587"/>
+            <a:ext cx="914400" cy="609600"/>
+          </a:xfrm>
+          <a:prstGeom prst="rect">
+            <a:avLst/>
+          </a:prstGeom>
+        </p:spPr>
+      </p:pic>
+      <p:sp>
+        <p:nvSpPr>
+          <p:cNvPr id="11" name="TextBox 10">
+            <a:extLst>
+              <a:ext uri="{FF2B5EF4-FFF2-40B4-BE49-F238E27FC236}">
+                <a16:creationId xmlns:a16="http://schemas.microsoft.com/office/drawing/2014/main" id="{214C6A42-DF74-6046-8D78-34ECB5732EBF}"/>
+              </a:ext>
+            </a:extLst>
+          </p:cNvPr>
+          <p:cNvSpPr txBox="1"/>
+          <p:nvPr/>
+        </p:nvSpPr>
+        <p:spPr>
+          <a:xfrm>
+            <a:off x="2662758" y="2057707"/>
+            <a:ext cx="685940" cy="276999"/>
+          </a:xfrm>
+          <a:prstGeom prst="rect">
+            <a:avLst/>
+          </a:prstGeom>
+          <a:noFill/>
+        </p:spPr>
+        <p:txBody>
+          <a:bodyPr wrap="square" rtlCol="0">
+            <a:spAutoFit/>
+          </a:bodyPr>
+          <a:lstStyle/>
+          <a:p>
+            <a:r>
+              <a:rPr lang="en-US" sz="1200" dirty="0"/>
+              <a:t>data</a:t>
+            </a:r>
+          </a:p>
+        </p:txBody>
+      </p:sp>
+      <p:sp>
+        <p:nvSpPr>
+          <p:cNvPr id="12" name="TextBox 11">
+            <a:extLst>
+              <a:ext uri="{FF2B5EF4-FFF2-40B4-BE49-F238E27FC236}">
+                <a16:creationId xmlns:a16="http://schemas.microsoft.com/office/drawing/2014/main" id="{7C0F188D-11C7-4246-8033-5B0E1FD6C920}"/>
+              </a:ext>
+            </a:extLst>
+          </p:cNvPr>
+          <p:cNvSpPr txBox="1"/>
+          <p:nvPr/>
+        </p:nvSpPr>
+        <p:spPr>
+          <a:xfrm>
+            <a:off x="2710547" y="3739612"/>
+            <a:ext cx="743584" cy="276999"/>
+          </a:xfrm>
+          <a:prstGeom prst="rect">
+            <a:avLst/>
+          </a:prstGeom>
+          <a:noFill/>
+        </p:spPr>
+        <p:txBody>
+          <a:bodyPr wrap="square" rtlCol="0">
+            <a:spAutoFit/>
+          </a:bodyPr>
+          <a:lstStyle/>
+          <a:p>
+            <a:r>
+              <a:rPr lang="en-US" sz="1200" dirty="0"/>
+              <a:t>analysis</a:t>
+            </a:r>
+          </a:p>
+        </p:txBody>
+      </p:sp>
+      <p:sp>
+        <p:nvSpPr>
+          <p:cNvPr id="13" name="TextBox 12">
+            <a:extLst>
+              <a:ext uri="{FF2B5EF4-FFF2-40B4-BE49-F238E27FC236}">
+                <a16:creationId xmlns:a16="http://schemas.microsoft.com/office/drawing/2014/main" id="{D1ED32C4-72E0-604B-BA14-6687C2546EB0}"/>
+              </a:ext>
+            </a:extLst>
+          </p:cNvPr>
+          <p:cNvSpPr txBox="1"/>
+          <p:nvPr/>
+        </p:nvSpPr>
+        <p:spPr>
+          <a:xfrm>
+            <a:off x="2625139" y="6565866"/>
+            <a:ext cx="828992" cy="276999"/>
+          </a:xfrm>
+          <a:prstGeom prst="rect">
+            <a:avLst/>
+          </a:prstGeom>
+          <a:noFill/>
+        </p:spPr>
+        <p:txBody>
+          <a:bodyPr wrap="square" rtlCol="0">
+            <a:spAutoFit/>
+          </a:bodyPr>
+          <a:lstStyle/>
+          <a:p>
+            <a:r>
+              <a:rPr lang="en-US" sz="1200" dirty="0"/>
+              <a:t>literature</a:t>
+            </a:r>
+          </a:p>
+        </p:txBody>
+      </p:sp>
+      <p:sp>
+        <p:nvSpPr>
+          <p:cNvPr id="14" name="TextBox 13">
+            <a:extLst>
+              <a:ext uri="{FF2B5EF4-FFF2-40B4-BE49-F238E27FC236}">
+                <a16:creationId xmlns:a16="http://schemas.microsoft.com/office/drawing/2014/main" id="{2C77C750-CAB0-FB4D-B0F2-0E7FA2B7B9BB}"/>
+              </a:ext>
+            </a:extLst>
+          </p:cNvPr>
+          <p:cNvSpPr txBox="1"/>
+          <p:nvPr/>
+        </p:nvSpPr>
+        <p:spPr>
+          <a:xfrm>
+            <a:off x="3810765" y="6868908"/>
+            <a:ext cx="1949823" cy="276999"/>
+          </a:xfrm>
+          <a:prstGeom prst="rect">
+            <a:avLst/>
+          </a:prstGeom>
+          <a:noFill/>
+        </p:spPr>
+        <p:txBody>
+          <a:bodyPr wrap="square" rtlCol="0">
+            <a:spAutoFit/>
+          </a:bodyPr>
+          <a:lstStyle/>
+          <a:p>
+            <a:r>
+              <a:rPr lang="en-US" sz="1200" dirty="0" err="1"/>
+              <a:t>BHmass_pitch.bib</a:t>
+            </a:r>
+            <a:endParaRPr lang="en-US" sz="1200" dirty="0"/>
+          </a:p>
+        </p:txBody>
+      </p:sp>
+      <p:cxnSp>
+        <p:nvCxnSpPr>
+          <p:cNvPr id="27" name="Straight Connector 26">
+            <a:extLst>
+              <a:ext uri="{FF2B5EF4-FFF2-40B4-BE49-F238E27FC236}">
+                <a16:creationId xmlns:a16="http://schemas.microsoft.com/office/drawing/2014/main" id="{75F5BD96-7A32-1D46-A5BE-169219E762D3}"/>
+              </a:ext>
+            </a:extLst>
+          </p:cNvPr>
+          <p:cNvCxnSpPr>
+            <a:cxnSpLocks/>
+          </p:cNvCxnSpPr>
+          <p:nvPr/>
+        </p:nvCxnSpPr>
+        <p:spPr>
+          <a:xfrm flipH="1">
+            <a:off x="1535761" y="1621700"/>
+            <a:ext cx="10656" cy="5101191"/>
+          </a:xfrm>
+          <a:prstGeom prst="line">
+            <a:avLst/>
+          </a:prstGeom>
+          <a:ln w="28575">
+            <a:solidFill>
+              <a:schemeClr val="tx1"/>
+            </a:solidFill>
+          </a:ln>
+        </p:spPr>
+        <p:style>
+          <a:lnRef idx="1">
+            <a:schemeClr val="accent1"/>
+          </a:lnRef>
+          <a:fillRef idx="0">
+            <a:schemeClr val="accent1"/>
+          </a:fillRef>
+          <a:effectRef idx="0">
+            <a:schemeClr val="accent1"/>
+          </a:effectRef>
+          <a:fontRef idx="minor">
+            <a:schemeClr val="tx1"/>
+          </a:fontRef>
+        </p:style>
+      </p:cxnSp>
+      <p:cxnSp>
+        <p:nvCxnSpPr>
+          <p:cNvPr id="29" name="Straight Arrow Connector 28">
+            <a:extLst>
+              <a:ext uri="{FF2B5EF4-FFF2-40B4-BE49-F238E27FC236}">
+                <a16:creationId xmlns:a16="http://schemas.microsoft.com/office/drawing/2014/main" id="{CC5802BD-55CD-9847-95A3-B1C0438D9A39}"/>
+              </a:ext>
+            </a:extLst>
+          </p:cNvPr>
+          <p:cNvCxnSpPr>
+            <a:cxnSpLocks/>
+          </p:cNvCxnSpPr>
+          <p:nvPr/>
+        </p:nvCxnSpPr>
+        <p:spPr>
+          <a:xfrm>
+            <a:off x="1544169" y="2167809"/>
+            <a:ext cx="1033182" cy="1"/>
+          </a:xfrm>
+          <a:prstGeom prst="straightConnector1">
+            <a:avLst/>
+          </a:prstGeom>
+          <a:ln w="28575">
+            <a:solidFill>
+              <a:schemeClr val="tx1"/>
+            </a:solidFill>
+            <a:tailEnd type="none"/>
+          </a:ln>
+        </p:spPr>
+        <p:style>
+          <a:lnRef idx="1">
+            <a:schemeClr val="accent1"/>
+          </a:lnRef>
+          <a:fillRef idx="0">
+            <a:schemeClr val="accent1"/>
+          </a:fillRef>
+          <a:effectRef idx="0">
+            <a:schemeClr val="accent1"/>
+          </a:effectRef>
+          <a:fontRef idx="minor">
+            <a:schemeClr val="tx1"/>
+          </a:fontRef>
+        </p:style>
+      </p:cxnSp>
+      <p:cxnSp>
+        <p:nvCxnSpPr>
           <p:cNvPr id="30" name="Straight Arrow Connector 29">
             <a:extLst>
               <a:ext uri="{FF2B5EF4-FFF2-40B4-BE49-F238E27FC236}">
@@ -4131,7 +5691,7 @@
         </p:blipFill>
         <p:spPr>
           <a:xfrm>
-            <a:off x="191428" y="6745976"/>
+            <a:off x="8730310" y="6438766"/>
             <a:ext cx="731520" cy="731520"/>
           </a:xfrm>
           <a:prstGeom prst="rect">
@@ -4624,10 +6184,154 @@
           </a:p>
         </p:txBody>
       </p:sp>
+      <p:sp>
+        <p:nvSpPr>
+          <p:cNvPr id="64" name="TextBox 63">
+            <a:extLst>
+              <a:ext uri="{FF2B5EF4-FFF2-40B4-BE49-F238E27FC236}">
+                <a16:creationId xmlns:a16="http://schemas.microsoft.com/office/drawing/2014/main" id="{4F78978F-E6E1-2E47-A881-9D83D0BD5371}"/>
+              </a:ext>
+            </a:extLst>
+          </p:cNvPr>
+          <p:cNvSpPr txBox="1"/>
+          <p:nvPr/>
+        </p:nvSpPr>
+        <p:spPr>
+          <a:xfrm>
+            <a:off x="8571802" y="720141"/>
+            <a:ext cx="949572" cy="276999"/>
+          </a:xfrm>
+          <a:prstGeom prst="rect">
+            <a:avLst/>
+          </a:prstGeom>
+          <a:noFill/>
+        </p:spPr>
+        <p:txBody>
+          <a:bodyPr wrap="square" rtlCol="0">
+            <a:spAutoFit/>
+          </a:bodyPr>
+          <a:lstStyle/>
+          <a:p>
+            <a:r>
+              <a:rPr lang="en-US" sz="1200" dirty="0" err="1"/>
+              <a:t>README.txt</a:t>
+            </a:r>
+            <a:endParaRPr lang="en-US" sz="1200" dirty="0"/>
+          </a:p>
+        </p:txBody>
+      </p:sp>
+      <p:sp>
+        <p:nvSpPr>
+          <p:cNvPr id="66" name="TextBox 65">
+            <a:extLst>
+              <a:ext uri="{FF2B5EF4-FFF2-40B4-BE49-F238E27FC236}">
+                <a16:creationId xmlns:a16="http://schemas.microsoft.com/office/drawing/2014/main" id="{1E1AF9DE-5490-DF4F-9E52-D6256B77C6FE}"/>
+              </a:ext>
+            </a:extLst>
+          </p:cNvPr>
+          <p:cNvSpPr txBox="1"/>
+          <p:nvPr/>
+        </p:nvSpPr>
+        <p:spPr>
+          <a:xfrm>
+            <a:off x="8596872" y="1068060"/>
+            <a:ext cx="949572" cy="276999"/>
+          </a:xfrm>
+          <a:prstGeom prst="rect">
+            <a:avLst/>
+          </a:prstGeom>
+          <a:noFill/>
+        </p:spPr>
+        <p:txBody>
+          <a:bodyPr wrap="square" rtlCol="0">
+            <a:spAutoFit/>
+          </a:bodyPr>
+          <a:lstStyle/>
+          <a:p>
+            <a:r>
+              <a:rPr lang="en-US" sz="1200" dirty="0" err="1"/>
+              <a:t>README.txt</a:t>
+            </a:r>
+            <a:endParaRPr lang="en-US" sz="1200" dirty="0"/>
+          </a:p>
+        </p:txBody>
+      </p:sp>
+      <p:sp>
+        <p:nvSpPr>
+          <p:cNvPr id="67" name="TextBox 66">
+            <a:extLst>
+              <a:ext uri="{FF2B5EF4-FFF2-40B4-BE49-F238E27FC236}">
+                <a16:creationId xmlns:a16="http://schemas.microsoft.com/office/drawing/2014/main" id="{5620AB5B-DC7E-FB45-A048-E6E6D2822374}"/>
+              </a:ext>
+            </a:extLst>
+          </p:cNvPr>
+          <p:cNvSpPr txBox="1"/>
+          <p:nvPr/>
+        </p:nvSpPr>
+        <p:spPr>
+          <a:xfrm>
+            <a:off x="8596872" y="1445123"/>
+            <a:ext cx="949572" cy="276999"/>
+          </a:xfrm>
+          <a:prstGeom prst="rect">
+            <a:avLst/>
+          </a:prstGeom>
+          <a:noFill/>
+        </p:spPr>
+        <p:txBody>
+          <a:bodyPr wrap="square" rtlCol="0">
+            <a:spAutoFit/>
+          </a:bodyPr>
+          <a:lstStyle/>
+          <a:p>
+            <a:r>
+              <a:rPr lang="en-US" sz="1200" dirty="0" err="1"/>
+              <a:t>README.txt</a:t>
+            </a:r>
+            <a:endParaRPr lang="en-US" sz="1200" dirty="0"/>
+          </a:p>
+        </p:txBody>
+      </p:sp>
+      <p:sp>
+        <p:nvSpPr>
+          <p:cNvPr id="79" name="TextBox 78">
+            <a:extLst>
+              <a:ext uri="{FF2B5EF4-FFF2-40B4-BE49-F238E27FC236}">
+                <a16:creationId xmlns:a16="http://schemas.microsoft.com/office/drawing/2014/main" id="{FAAC3477-9954-6041-B384-9305C81DDCB7}"/>
+              </a:ext>
+            </a:extLst>
+          </p:cNvPr>
+          <p:cNvSpPr txBox="1"/>
+          <p:nvPr/>
+        </p:nvSpPr>
+        <p:spPr>
+          <a:xfrm>
+            <a:off x="8621284" y="1763899"/>
+            <a:ext cx="949572" cy="276999"/>
+          </a:xfrm>
+          <a:prstGeom prst="rect">
+            <a:avLst/>
+          </a:prstGeom>
+          <a:noFill/>
+        </p:spPr>
+        <p:txBody>
+          <a:bodyPr wrap="square" rtlCol="0">
+            <a:spAutoFit/>
+          </a:bodyPr>
+          <a:lstStyle/>
+          <a:p>
+            <a:r>
+              <a:rPr lang="en-US" sz="1200" dirty="0" err="1"/>
+              <a:t>README.txt</a:t>
+            </a:r>
+            <a:endParaRPr lang="en-US" sz="1200" dirty="0"/>
+          </a:p>
+        </p:txBody>
+      </p:sp>
     </p:spTree>
     <p:extLst>
       <p:ext uri="{BB962C8B-B14F-4D97-AF65-F5344CB8AC3E}">
-        <p14:creationId xmlns:p14="http://schemas.microsoft.com/office/powerpoint/2010/main" val="205191488"/>
+        <p14:creationId xmlns:p14="http://schemas.microsoft.com/office/powerpoint/2010/main" val="494060433"/>
       </p:ext>
     </p:extLst>
   </p:cSld>

--- a/worksheet.pptx
+++ b/worksheet.pptx
@@ -3071,36 +3071,6 @@
           </a:prstGeom>
         </p:spPr>
       </p:pic>
-      <p:pic>
-        <p:nvPicPr>
-          <p:cNvPr id="8" name="Picture 7">
-            <a:extLst>
-              <a:ext uri="{FF2B5EF4-FFF2-40B4-BE49-F238E27FC236}">
-                <a16:creationId xmlns:a16="http://schemas.microsoft.com/office/drawing/2014/main" id="{19955C85-2BC3-0F42-8C81-1C77EB869E0B}"/>
-              </a:ext>
-            </a:extLst>
-          </p:cNvPr>
-          <p:cNvPicPr>
-            <a:picLocks noChangeAspect="1"/>
-          </p:cNvPicPr>
-          <p:nvPr/>
-        </p:nvPicPr>
-        <p:blipFill>
-          <a:blip r:embed="rId2"/>
-          <a:stretch>
-            <a:fillRect/>
-          </a:stretch>
-        </p:blipFill>
-        <p:spPr>
-          <a:xfrm>
-            <a:off x="2577351" y="3414304"/>
-            <a:ext cx="914597" cy="609732"/>
-          </a:xfrm>
-          <a:prstGeom prst="rect">
-            <a:avLst/>
-          </a:prstGeom>
-        </p:spPr>
-      </p:pic>
       <p:sp>
         <p:nvSpPr>
           <p:cNvPr id="11" name="TextBox 10">
@@ -3132,41 +3102,6 @@
             <a:r>
               <a:rPr lang="en-US" sz="1200" dirty="0"/>
               <a:t>data</a:t>
-            </a:r>
-          </a:p>
-        </p:txBody>
-      </p:sp>
-      <p:sp>
-        <p:nvSpPr>
-          <p:cNvPr id="12" name="TextBox 11">
-            <a:extLst>
-              <a:ext uri="{FF2B5EF4-FFF2-40B4-BE49-F238E27FC236}">
-                <a16:creationId xmlns:a16="http://schemas.microsoft.com/office/drawing/2014/main" id="{7C0F188D-11C7-4246-8033-5B0E1FD6C920}"/>
-              </a:ext>
-            </a:extLst>
-          </p:cNvPr>
-          <p:cNvSpPr txBox="1"/>
-          <p:nvPr/>
-        </p:nvSpPr>
-        <p:spPr>
-          <a:xfrm>
-            <a:off x="2710547" y="3739612"/>
-            <a:ext cx="743584" cy="276999"/>
-          </a:xfrm>
-          <a:prstGeom prst="rect">
-            <a:avLst/>
-          </a:prstGeom>
-          <a:noFill/>
-        </p:spPr>
-        <p:txBody>
-          <a:bodyPr wrap="square" rtlCol="0">
-            <a:spAutoFit/>
-          </a:bodyPr>
-          <a:lstStyle/>
-          <a:p>
-            <a:r>
-              <a:rPr lang="en-US" sz="1200" dirty="0"/>
-              <a:t>analysis</a:t>
             </a:r>
           </a:p>
         </p:txBody>
@@ -3260,48 +3195,6 @@
       </p:cxnSp>
       <p:cxnSp>
         <p:nvCxnSpPr>
-          <p:cNvPr id="32" name="Straight Arrow Connector 31">
-            <a:extLst>
-              <a:ext uri="{FF2B5EF4-FFF2-40B4-BE49-F238E27FC236}">
-                <a16:creationId xmlns:a16="http://schemas.microsoft.com/office/drawing/2014/main" id="{6C140BB3-6FF9-654E-B6EA-A48891ED7492}"/>
-              </a:ext>
-            </a:extLst>
-          </p:cNvPr>
-          <p:cNvCxnSpPr/>
-          <p:nvPr/>
-        </p:nvCxnSpPr>
-        <p:spPr>
-          <a:xfrm>
-            <a:off x="1550926" y="3853165"/>
-            <a:ext cx="1033182" cy="1"/>
-          </a:xfrm>
-          <a:prstGeom prst="straightConnector1">
-            <a:avLst/>
-          </a:prstGeom>
-          <a:ln w="28575">
-            <a:solidFill>
-              <a:schemeClr val="tx1"/>
-            </a:solidFill>
-            <a:tailEnd type="none"/>
-          </a:ln>
-        </p:spPr>
-        <p:style>
-          <a:lnRef idx="1">
-            <a:schemeClr val="accent1"/>
-          </a:lnRef>
-          <a:fillRef idx="0">
-            <a:schemeClr val="accent1"/>
-          </a:fillRef>
-          <a:effectRef idx="0">
-            <a:schemeClr val="accent1"/>
-          </a:effectRef>
-          <a:fontRef idx="minor">
-            <a:schemeClr val="tx1"/>
-          </a:fontRef>
-        </p:style>
-      </p:cxnSp>
-      <p:cxnSp>
-        <p:nvCxnSpPr>
           <p:cNvPr id="44" name="Straight Connector 43">
             <a:extLst>
               <a:ext uri="{FF2B5EF4-FFF2-40B4-BE49-F238E27FC236}">
@@ -3318,49 +3211,6 @@
           <a:xfrm>
             <a:off x="3115232" y="2317350"/>
             <a:ext cx="0" cy="896790"/>
-          </a:xfrm>
-          <a:prstGeom prst="line">
-            <a:avLst/>
-          </a:prstGeom>
-          <a:ln w="28575">
-            <a:solidFill>
-              <a:schemeClr val="tx1"/>
-            </a:solidFill>
-          </a:ln>
-        </p:spPr>
-        <p:style>
-          <a:lnRef idx="1">
-            <a:schemeClr val="accent1"/>
-          </a:lnRef>
-          <a:fillRef idx="0">
-            <a:schemeClr val="accent1"/>
-          </a:fillRef>
-          <a:effectRef idx="0">
-            <a:schemeClr val="accent1"/>
-          </a:effectRef>
-          <a:fontRef idx="minor">
-            <a:schemeClr val="tx1"/>
-          </a:fontRef>
-        </p:style>
-      </p:cxnSp>
-      <p:cxnSp>
-        <p:nvCxnSpPr>
-          <p:cNvPr id="46" name="Straight Connector 45">
-            <a:extLst>
-              <a:ext uri="{FF2B5EF4-FFF2-40B4-BE49-F238E27FC236}">
-                <a16:creationId xmlns:a16="http://schemas.microsoft.com/office/drawing/2014/main" id="{F57BAB39-5379-4044-AFA7-8AD3B3725412}"/>
-              </a:ext>
-            </a:extLst>
-          </p:cNvPr>
-          <p:cNvCxnSpPr>
-            <a:cxnSpLocks/>
-          </p:cNvCxnSpPr>
-          <p:nvPr/>
-        </p:nvCxnSpPr>
-        <p:spPr>
-          <a:xfrm>
-            <a:off x="3115232" y="4011944"/>
-            <a:ext cx="0" cy="786577"/>
           </a:xfrm>
           <a:prstGeom prst="line">
             <a:avLst/>
@@ -3468,88 +3318,6 @@
           </a:fontRef>
         </p:style>
       </p:cxnSp>
-      <p:cxnSp>
-        <p:nvCxnSpPr>
-          <p:cNvPr id="50" name="Straight Connector 49">
-            <a:extLst>
-              <a:ext uri="{FF2B5EF4-FFF2-40B4-BE49-F238E27FC236}">
-                <a16:creationId xmlns:a16="http://schemas.microsoft.com/office/drawing/2014/main" id="{69FDDABD-0B03-6549-8D3E-C1B76F0A1D0E}"/>
-              </a:ext>
-            </a:extLst>
-          </p:cNvPr>
-          <p:cNvCxnSpPr/>
-          <p:nvPr/>
-        </p:nvCxnSpPr>
-        <p:spPr>
-          <a:xfrm>
-            <a:off x="3115232" y="4783142"/>
-            <a:ext cx="1507102" cy="0"/>
-          </a:xfrm>
-          <a:prstGeom prst="line">
-            <a:avLst/>
-          </a:prstGeom>
-          <a:ln w="28575">
-            <a:solidFill>
-              <a:schemeClr val="tx1"/>
-            </a:solidFill>
-          </a:ln>
-        </p:spPr>
-        <p:style>
-          <a:lnRef idx="1">
-            <a:schemeClr val="accent1"/>
-          </a:lnRef>
-          <a:fillRef idx="0">
-            <a:schemeClr val="accent1"/>
-          </a:fillRef>
-          <a:effectRef idx="0">
-            <a:schemeClr val="accent1"/>
-          </a:effectRef>
-          <a:fontRef idx="minor">
-            <a:schemeClr val="tx1"/>
-          </a:fontRef>
-        </p:style>
-      </p:cxnSp>
-      <p:cxnSp>
-        <p:nvCxnSpPr>
-          <p:cNvPr id="51" name="Straight Connector 50">
-            <a:extLst>
-              <a:ext uri="{FF2B5EF4-FFF2-40B4-BE49-F238E27FC236}">
-                <a16:creationId xmlns:a16="http://schemas.microsoft.com/office/drawing/2014/main" id="{D5597B2A-9BE9-A74A-9765-2AABD47A2005}"/>
-              </a:ext>
-            </a:extLst>
-          </p:cNvPr>
-          <p:cNvCxnSpPr/>
-          <p:nvPr/>
-        </p:nvCxnSpPr>
-        <p:spPr>
-          <a:xfrm>
-            <a:off x="3115232" y="4315750"/>
-            <a:ext cx="1507102" cy="0"/>
-          </a:xfrm>
-          <a:prstGeom prst="line">
-            <a:avLst/>
-          </a:prstGeom>
-          <a:ln w="28575">
-            <a:solidFill>
-              <a:schemeClr val="tx1"/>
-            </a:solidFill>
-          </a:ln>
-        </p:spPr>
-        <p:style>
-          <a:lnRef idx="1">
-            <a:schemeClr val="accent1"/>
-          </a:lnRef>
-          <a:fillRef idx="0">
-            <a:schemeClr val="accent1"/>
-          </a:fillRef>
-          <a:effectRef idx="0">
-            <a:schemeClr val="accent1"/>
-          </a:effectRef>
-          <a:fontRef idx="minor">
-            <a:schemeClr val="tx1"/>
-          </a:fontRef>
-        </p:style>
-      </p:cxnSp>
       <p:pic>
         <p:nvPicPr>
           <p:cNvPr id="52" name="Picture 51">
@@ -3764,7 +3532,7 @@
         </p:nvSpPr>
         <p:spPr>
           <a:xfrm>
-            <a:off x="5727659" y="5351563"/>
+            <a:off x="1710363" y="5857540"/>
             <a:ext cx="2020296" cy="276999"/>
           </a:xfrm>
           <a:prstGeom prst="rect">
@@ -3800,7 +3568,7 @@
         </p:nvSpPr>
         <p:spPr>
           <a:xfrm>
-            <a:off x="5726659" y="5074603"/>
+            <a:off x="1709363" y="5580580"/>
             <a:ext cx="1766722" cy="276999"/>
           </a:xfrm>
           <a:prstGeom prst="rect">
@@ -3824,10 +3592,10 @@
       </p:sp>
       <p:sp>
         <p:nvSpPr>
-          <p:cNvPr id="60" name="TextBox 59">
-            <a:extLst>
-              <a:ext uri="{FF2B5EF4-FFF2-40B4-BE49-F238E27FC236}">
-                <a16:creationId xmlns:a16="http://schemas.microsoft.com/office/drawing/2014/main" id="{92ECFDEE-D561-2048-A5AB-90EFD6A19B8C}"/>
+          <p:cNvPr id="61" name="TextBox 60">
+            <a:extLst>
+              <a:ext uri="{FF2B5EF4-FFF2-40B4-BE49-F238E27FC236}">
+                <a16:creationId xmlns:a16="http://schemas.microsoft.com/office/drawing/2014/main" id="{432D8CF5-FD2D-AA47-85A9-AB0EFFFBEC4C}"/>
               </a:ext>
             </a:extLst>
           </p:cNvPr>
@@ -3836,8 +3604,8 @@
         </p:nvSpPr>
         <p:spPr>
           <a:xfrm>
-            <a:off x="4657652" y="4955903"/>
-            <a:ext cx="685940" cy="276999"/>
+            <a:off x="1743292" y="5261814"/>
+            <a:ext cx="849432" cy="276999"/>
           </a:xfrm>
           <a:prstGeom prst="rect">
             <a:avLst/>
@@ -3851,18 +3619,19 @@
           <a:lstStyle/>
           <a:p>
             <a:r>
-              <a:rPr lang="en-US" sz="1200" dirty="0"/>
-              <a:t>plots</a:t>
-            </a:r>
-          </a:p>
-        </p:txBody>
-      </p:sp>
-      <p:sp>
-        <p:nvSpPr>
-          <p:cNvPr id="61" name="TextBox 60">
-            <a:extLst>
-              <a:ext uri="{FF2B5EF4-FFF2-40B4-BE49-F238E27FC236}">
-                <a16:creationId xmlns:a16="http://schemas.microsoft.com/office/drawing/2014/main" id="{432D8CF5-FD2D-AA47-85A9-AB0EFFFBEC4C}"/>
+              <a:rPr lang="en-US" sz="1200" dirty="0" err="1"/>
+              <a:t>results.csv</a:t>
+            </a:r>
+            <a:endParaRPr lang="en-US" sz="1200" dirty="0"/>
+          </a:p>
+        </p:txBody>
+      </p:sp>
+      <p:sp>
+        <p:nvSpPr>
+          <p:cNvPr id="62" name="TextBox 61">
+            <a:extLst>
+              <a:ext uri="{FF2B5EF4-FFF2-40B4-BE49-F238E27FC236}">
+                <a16:creationId xmlns:a16="http://schemas.microsoft.com/office/drawing/2014/main" id="{BEBE3446-10C6-5A4B-8D5C-601CFD02D034}"/>
               </a:ext>
             </a:extLst>
           </p:cNvPr>
@@ -3871,8 +3640,8 @@
         </p:nvSpPr>
         <p:spPr>
           <a:xfrm>
-            <a:off x="5760588" y="4755837"/>
-            <a:ext cx="849432" cy="276999"/>
+            <a:off x="1770939" y="4966863"/>
+            <a:ext cx="685940" cy="276999"/>
           </a:xfrm>
           <a:prstGeom prst="rect">
             <a:avLst/>
@@ -3886,42 +3655,6 @@
           <a:lstStyle/>
           <a:p>
             <a:r>
-              <a:rPr lang="en-US" sz="1200" dirty="0" err="1"/>
-              <a:t>results.csv</a:t>
-            </a:r>
-            <a:endParaRPr lang="en-US" sz="1200" dirty="0"/>
-          </a:p>
-        </p:txBody>
-      </p:sp>
-      <p:sp>
-        <p:nvSpPr>
-          <p:cNvPr id="62" name="TextBox 61">
-            <a:extLst>
-              <a:ext uri="{FF2B5EF4-FFF2-40B4-BE49-F238E27FC236}">
-                <a16:creationId xmlns:a16="http://schemas.microsoft.com/office/drawing/2014/main" id="{BEBE3446-10C6-5A4B-8D5C-601CFD02D034}"/>
-              </a:ext>
-            </a:extLst>
-          </p:cNvPr>
-          <p:cNvSpPr txBox="1"/>
-          <p:nvPr/>
-        </p:nvSpPr>
-        <p:spPr>
-          <a:xfrm>
-            <a:off x="5788235" y="4460886"/>
-            <a:ext cx="685940" cy="276999"/>
-          </a:xfrm>
-          <a:prstGeom prst="rect">
-            <a:avLst/>
-          </a:prstGeom>
-          <a:noFill/>
-        </p:spPr>
-        <p:txBody>
-          <a:bodyPr wrap="square" rtlCol="0">
-            <a:spAutoFit/>
-          </a:bodyPr>
-          <a:lstStyle/>
-          <a:p>
-            <a:r>
               <a:rPr lang="en-US" sz="1200" dirty="0"/>
               <a:t>2dfft.py</a:t>
             </a:r>
@@ -3942,7 +3675,7 @@
         </p:nvSpPr>
         <p:spPr>
           <a:xfrm>
-            <a:off x="5788235" y="4183887"/>
+            <a:off x="1770939" y="4689864"/>
             <a:ext cx="949572" cy="276999"/>
           </a:xfrm>
           <a:prstGeom prst="rect">
@@ -3999,36 +3732,6 @@
           <a:xfrm>
             <a:off x="8730310" y="6438766"/>
             <a:ext cx="731520" cy="731520"/>
-          </a:xfrm>
-          <a:prstGeom prst="rect">
-            <a:avLst/>
-          </a:prstGeom>
-        </p:spPr>
-      </p:pic>
-      <p:pic>
-        <p:nvPicPr>
-          <p:cNvPr id="68" name="Picture 67">
-            <a:extLst>
-              <a:ext uri="{FF2B5EF4-FFF2-40B4-BE49-F238E27FC236}">
-                <a16:creationId xmlns:a16="http://schemas.microsoft.com/office/drawing/2014/main" id="{FBC06078-73D1-4D46-AFD6-B7C662907410}"/>
-              </a:ext>
-            </a:extLst>
-          </p:cNvPr>
-          <p:cNvPicPr>
-            <a:picLocks noChangeAspect="1"/>
-          </p:cNvPicPr>
-          <p:nvPr/>
-        </p:nvPicPr>
-        <p:blipFill>
-          <a:blip r:embed="rId2"/>
-          <a:stretch>
-            <a:fillRect/>
-          </a:stretch>
-        </p:blipFill>
-        <p:spPr>
-          <a:xfrm>
-            <a:off x="4622334" y="4322387"/>
-            <a:ext cx="914596" cy="609731"/>
           </a:xfrm>
           <a:prstGeom prst="rect">
             <a:avLst/>

--- a/worksheet.pptx
+++ b/worksheet.pptx
@@ -244,7 +244,7 @@
           <a:p>
             <a:fld id="{B8377C4A-47F3-8449-A624-EB7932C6F8DF}" type="datetimeFigureOut">
               <a:rPr lang="en-US" smtClean="0"/>
-              <a:t>2/7/19</a:t>
+              <a:t>2/8/19</a:t>
             </a:fld>
             <a:endParaRPr lang="en-US"/>
           </a:p>
@@ -414,7 +414,7 @@
           <a:p>
             <a:fld id="{B8377C4A-47F3-8449-A624-EB7932C6F8DF}" type="datetimeFigureOut">
               <a:rPr lang="en-US" smtClean="0"/>
-              <a:t>2/7/19</a:t>
+              <a:t>2/8/19</a:t>
             </a:fld>
             <a:endParaRPr lang="en-US"/>
           </a:p>
@@ -594,7 +594,7 @@
           <a:p>
             <a:fld id="{B8377C4A-47F3-8449-A624-EB7932C6F8DF}" type="datetimeFigureOut">
               <a:rPr lang="en-US" smtClean="0"/>
-              <a:t>2/7/19</a:t>
+              <a:t>2/8/19</a:t>
             </a:fld>
             <a:endParaRPr lang="en-US"/>
           </a:p>
@@ -764,7 +764,7 @@
           <a:p>
             <a:fld id="{B8377C4A-47F3-8449-A624-EB7932C6F8DF}" type="datetimeFigureOut">
               <a:rPr lang="en-US" smtClean="0"/>
-              <a:t>2/7/19</a:t>
+              <a:t>2/8/19</a:t>
             </a:fld>
             <a:endParaRPr lang="en-US"/>
           </a:p>
@@ -1008,7 +1008,7 @@
           <a:p>
             <a:fld id="{B8377C4A-47F3-8449-A624-EB7932C6F8DF}" type="datetimeFigureOut">
               <a:rPr lang="en-US" smtClean="0"/>
-              <a:t>2/7/19</a:t>
+              <a:t>2/8/19</a:t>
             </a:fld>
             <a:endParaRPr lang="en-US"/>
           </a:p>
@@ -1240,7 +1240,7 @@
           <a:p>
             <a:fld id="{B8377C4A-47F3-8449-A624-EB7932C6F8DF}" type="datetimeFigureOut">
               <a:rPr lang="en-US" smtClean="0"/>
-              <a:t>2/7/19</a:t>
+              <a:t>2/8/19</a:t>
             </a:fld>
             <a:endParaRPr lang="en-US"/>
           </a:p>
@@ -1607,7 +1607,7 @@
           <a:p>
             <a:fld id="{B8377C4A-47F3-8449-A624-EB7932C6F8DF}" type="datetimeFigureOut">
               <a:rPr lang="en-US" smtClean="0"/>
-              <a:t>2/7/19</a:t>
+              <a:t>2/8/19</a:t>
             </a:fld>
             <a:endParaRPr lang="en-US"/>
           </a:p>
@@ -1725,7 +1725,7 @@
           <a:p>
             <a:fld id="{B8377C4A-47F3-8449-A624-EB7932C6F8DF}" type="datetimeFigureOut">
               <a:rPr lang="en-US" smtClean="0"/>
-              <a:t>2/7/19</a:t>
+              <a:t>2/8/19</a:t>
             </a:fld>
             <a:endParaRPr lang="en-US"/>
           </a:p>
@@ -1820,7 +1820,7 @@
           <a:p>
             <a:fld id="{B8377C4A-47F3-8449-A624-EB7932C6F8DF}" type="datetimeFigureOut">
               <a:rPr lang="en-US" smtClean="0"/>
-              <a:t>2/7/19</a:t>
+              <a:t>2/8/19</a:t>
             </a:fld>
             <a:endParaRPr lang="en-US"/>
           </a:p>
@@ -2097,7 +2097,7 @@
           <a:p>
             <a:fld id="{B8377C4A-47F3-8449-A624-EB7932C6F8DF}" type="datetimeFigureOut">
               <a:rPr lang="en-US" smtClean="0"/>
-              <a:t>2/7/19</a:t>
+              <a:t>2/8/19</a:t>
             </a:fld>
             <a:endParaRPr lang="en-US"/>
           </a:p>
@@ -2354,7 +2354,7 @@
           <a:p>
             <a:fld id="{B8377C4A-47F3-8449-A624-EB7932C6F8DF}" type="datetimeFigureOut">
               <a:rPr lang="en-US" smtClean="0"/>
-              <a:t>2/7/19</a:t>
+              <a:t>2/8/19</a:t>
             </a:fld>
             <a:endParaRPr lang="en-US"/>
           </a:p>
@@ -2567,7 +2567,7 @@
           <a:p>
             <a:fld id="{B8377C4A-47F3-8449-A624-EB7932C6F8DF}" type="datetimeFigureOut">
               <a:rPr lang="en-US" smtClean="0"/>
-              <a:t>2/7/19</a:t>
+              <a:t>2/8/19</a:t>
             </a:fld>
             <a:endParaRPr lang="en-US"/>
           </a:p>
@@ -3205,7 +3205,7 @@
           <p:nvPr>
             <p:extLst>
               <p:ext uri="{D42A27DB-BD31-4B8C-83A1-F6EECF244321}">
-                <p14:modId xmlns:p14="http://schemas.microsoft.com/office/powerpoint/2010/main" val="731161476"/>
+                <p14:modId xmlns:p14="http://schemas.microsoft.com/office/powerpoint/2010/main" val="1286268983"/>
               </p:ext>
             </p:extLst>
           </p:nvPr>
@@ -5057,7 +5057,7 @@
           <p:nvPr>
             <p:extLst>
               <p:ext uri="{D42A27DB-BD31-4B8C-83A1-F6EECF244321}">
-                <p14:modId xmlns:p14="http://schemas.microsoft.com/office/powerpoint/2010/main" val="3104631395"/>
+                <p14:modId xmlns:p14="http://schemas.microsoft.com/office/powerpoint/2010/main" val="116118139"/>
               </p:ext>
             </p:extLst>
           </p:nvPr>
@@ -6500,7 +6500,7 @@
         </p:nvCxnSpPr>
         <p:spPr>
           <a:xfrm>
-            <a:off x="4117892" y="2170993"/>
+            <a:off x="4117892" y="2180420"/>
             <a:ext cx="1" cy="3585626"/>
           </a:xfrm>
           <a:prstGeom prst="line">
@@ -6765,13 +6765,18 @@
         </p:nvSpPr>
         <p:spPr>
           <a:xfrm>
-            <a:off x="2197111" y="276686"/>
-            <a:ext cx="5306076" cy="276999"/>
+            <a:off x="2839702" y="412369"/>
+            <a:ext cx="7035808" cy="646331"/>
           </a:xfrm>
           <a:prstGeom prst="rect">
             <a:avLst/>
           </a:prstGeom>
           <a:noFill/>
+          <a:ln>
+            <a:solidFill>
+              <a:schemeClr val="tx1"/>
+            </a:solidFill>
+          </a:ln>
         </p:spPr>
         <p:txBody>
           <a:bodyPr wrap="square" rtlCol="0">
@@ -6781,7 +6786,7 @@
           <a:p>
             <a:r>
               <a:rPr lang="en-US" sz="1200" dirty="0"/>
-              <a:t>Researcher file directory associated with images and spectra of spiral galaxies</a:t>
+              <a:t>Amanda’s Research Project - a graduate student is studying spiral galaxies and the supermassive black holes at the center of these galaxies.  She has images, spectra, some preliminary measurements and analysis, as well as some background information in this directory.  How can she make this directory easier to navigate?</a:t>
             </a:r>
           </a:p>
         </p:txBody>
@@ -11517,7 +11522,7 @@
         </p:nvCxnSpPr>
         <p:spPr>
           <a:xfrm>
-            <a:off x="3034057" y="6572156"/>
+            <a:off x="3020805" y="6572156"/>
             <a:ext cx="328880" cy="0"/>
           </a:xfrm>
           <a:prstGeom prst="straightConnector1">
@@ -11735,8 +11740,8 @@
         </p:nvCxnSpPr>
         <p:spPr>
           <a:xfrm>
-            <a:off x="3905151" y="5519720"/>
-            <a:ext cx="2490046" cy="0"/>
+            <a:off x="3944907" y="5519720"/>
+            <a:ext cx="2463542" cy="0"/>
           </a:xfrm>
           <a:prstGeom prst="straightConnector1">
             <a:avLst/>
@@ -11867,8 +11872,8 @@
         </p:nvCxnSpPr>
         <p:spPr>
           <a:xfrm>
-            <a:off x="6395197" y="5505117"/>
-            <a:ext cx="0" cy="2074270"/>
+            <a:off x="6395197" y="5519720"/>
+            <a:ext cx="0" cy="2059667"/>
           </a:xfrm>
           <a:prstGeom prst="line">
             <a:avLst/>
